--- a/docs/Deep_Inverse_Q_Learning.pptx
+++ b/docs/Deep_Inverse_Q_Learning.pptx
@@ -6,6 +6,15 @@
   </p:sldMasterIdLst>
   <p:sldIdLst>
     <p:sldId id="256" r:id="rId2"/>
+    <p:sldId id="257" r:id="rId3"/>
+    <p:sldId id="258" r:id="rId4"/>
+    <p:sldId id="260" r:id="rId5"/>
+    <p:sldId id="261" r:id="rId6"/>
+    <p:sldId id="262" r:id="rId7"/>
+    <p:sldId id="263" r:id="rId8"/>
+    <p:sldId id="264" r:id="rId9"/>
+    <p:sldId id="265" r:id="rId10"/>
+    <p:sldId id="266" r:id="rId11"/>
   </p:sldIdLst>
   <p:sldSz cx="12192000" cy="6858000"/>
   <p:notesSz cx="6858000" cy="9144000"/>
@@ -104,6 +113,11 @@
       </a:defRPr>
     </a:lvl9pPr>
   </p:defaultTextStyle>
+  <p:extLst>
+    <p:ext uri="{EFAFB233-063F-42B5-8137-9DF3F51BA10A}">
+      <p15:sldGuideLst xmlns:p15="http://schemas.microsoft.com/office/powerpoint/2012/main"/>
+    </p:ext>
+  </p:extLst>
 </p:presentation>
 </file>
 
@@ -254,7 +268,7 @@
           <a:p>
             <a:fld id="{E391219D-6D3A-43E4-87A0-8F432BECAF54}" type="datetimeFigureOut">
               <a:rPr lang="en-US" smtClean="0"/>
-              <a:t>3/10/2023</a:t>
+              <a:t>3/11/2023</a:t>
             </a:fld>
             <a:endParaRPr lang="en-US"/>
           </a:p>
@@ -452,7 +466,7 @@
           <a:p>
             <a:fld id="{E391219D-6D3A-43E4-87A0-8F432BECAF54}" type="datetimeFigureOut">
               <a:rPr lang="en-US" smtClean="0"/>
-              <a:t>3/10/2023</a:t>
+              <a:t>3/11/2023</a:t>
             </a:fld>
             <a:endParaRPr lang="en-US"/>
           </a:p>
@@ -660,7 +674,7 @@
           <a:p>
             <a:fld id="{E391219D-6D3A-43E4-87A0-8F432BECAF54}" type="datetimeFigureOut">
               <a:rPr lang="en-US" smtClean="0"/>
-              <a:t>3/10/2023</a:t>
+              <a:t>3/11/2023</a:t>
             </a:fld>
             <a:endParaRPr lang="en-US"/>
           </a:p>
@@ -858,7 +872,7 @@
           <a:p>
             <a:fld id="{E391219D-6D3A-43E4-87A0-8F432BECAF54}" type="datetimeFigureOut">
               <a:rPr lang="en-US" smtClean="0"/>
-              <a:t>3/10/2023</a:t>
+              <a:t>3/11/2023</a:t>
             </a:fld>
             <a:endParaRPr lang="en-US"/>
           </a:p>
@@ -1133,7 +1147,7 @@
           <a:p>
             <a:fld id="{E391219D-6D3A-43E4-87A0-8F432BECAF54}" type="datetimeFigureOut">
               <a:rPr lang="en-US" smtClean="0"/>
-              <a:t>3/10/2023</a:t>
+              <a:t>3/11/2023</a:t>
             </a:fld>
             <a:endParaRPr lang="en-US"/>
           </a:p>
@@ -1398,7 +1412,7 @@
           <a:p>
             <a:fld id="{E391219D-6D3A-43E4-87A0-8F432BECAF54}" type="datetimeFigureOut">
               <a:rPr lang="en-US" smtClean="0"/>
-              <a:t>3/10/2023</a:t>
+              <a:t>3/11/2023</a:t>
             </a:fld>
             <a:endParaRPr lang="en-US"/>
           </a:p>
@@ -1810,7 +1824,7 @@
           <a:p>
             <a:fld id="{E391219D-6D3A-43E4-87A0-8F432BECAF54}" type="datetimeFigureOut">
               <a:rPr lang="en-US" smtClean="0"/>
-              <a:t>3/10/2023</a:t>
+              <a:t>3/11/2023</a:t>
             </a:fld>
             <a:endParaRPr lang="en-US"/>
           </a:p>
@@ -1951,7 +1965,7 @@
           <a:p>
             <a:fld id="{E391219D-6D3A-43E4-87A0-8F432BECAF54}" type="datetimeFigureOut">
               <a:rPr lang="en-US" smtClean="0"/>
-              <a:t>3/10/2023</a:t>
+              <a:t>3/11/2023</a:t>
             </a:fld>
             <a:endParaRPr lang="en-US"/>
           </a:p>
@@ -2064,7 +2078,7 @@
           <a:p>
             <a:fld id="{E391219D-6D3A-43E4-87A0-8F432BECAF54}" type="datetimeFigureOut">
               <a:rPr lang="en-US" smtClean="0"/>
-              <a:t>3/10/2023</a:t>
+              <a:t>3/11/2023</a:t>
             </a:fld>
             <a:endParaRPr lang="en-US"/>
           </a:p>
@@ -2375,7 +2389,7 @@
           <a:p>
             <a:fld id="{E391219D-6D3A-43E4-87A0-8F432BECAF54}" type="datetimeFigureOut">
               <a:rPr lang="en-US" smtClean="0"/>
-              <a:t>3/10/2023</a:t>
+              <a:t>3/11/2023</a:t>
             </a:fld>
             <a:endParaRPr lang="en-US"/>
           </a:p>
@@ -2663,7 +2677,7 @@
           <a:p>
             <a:fld id="{E391219D-6D3A-43E4-87A0-8F432BECAF54}" type="datetimeFigureOut">
               <a:rPr lang="en-US" smtClean="0"/>
-              <a:t>3/10/2023</a:t>
+              <a:t>3/11/2023</a:t>
             </a:fld>
             <a:endParaRPr lang="en-US"/>
           </a:p>
@@ -2904,7 +2918,7 @@
           <a:p>
             <a:fld id="{E391219D-6D3A-43E4-87A0-8F432BECAF54}" type="datetimeFigureOut">
               <a:rPr lang="en-US" smtClean="0"/>
-              <a:t>3/10/2023</a:t>
+              <a:t>3/11/2023</a:t>
             </a:fld>
             <a:endParaRPr lang="en-US"/>
           </a:p>
@@ -3337,14 +3351,19 @@
             <p:ph type="ctrTitle"/>
           </p:nvPr>
         </p:nvSpPr>
-        <p:spPr/>
+        <p:spPr>
+          <a:xfrm>
+            <a:off x="1524000" y="715963"/>
+            <a:ext cx="9144000" cy="2387600"/>
+          </a:xfrm>
+        </p:spPr>
         <p:txBody>
           <a:bodyPr/>
           <a:lstStyle/>
           <a:p>
             <a:r>
               <a:rPr lang="en-US" dirty="0"/>
-              <a:t>Inverse Q Learning</a:t>
+              <a:t>Deep Inverse Q-learning with Constraints</a:t>
             </a:r>
           </a:p>
         </p:txBody>
@@ -3365,12 +3384,222 @@
             <p:ph type="subTitle" idx="1"/>
           </p:nvPr>
         </p:nvSpPr>
-        <p:spPr/>
-        <p:txBody>
-          <a:bodyPr/>
+        <p:spPr>
+          <a:xfrm>
+            <a:off x="1524000" y="3103563"/>
+            <a:ext cx="9144000" cy="490537"/>
+          </a:xfrm>
+        </p:spPr>
+        <p:txBody>
+          <a:bodyPr>
+            <a:normAutofit/>
+          </a:bodyPr>
           <a:lstStyle/>
           <a:p>
-            <a:endParaRPr lang="en-US" dirty="0"/>
+            <a:r>
+              <a:rPr lang="en-US" sz="1600" dirty="0"/>
+              <a:t>Gabriel Kalweit, Maria Huegle, Moritz Werling and Joschka Boedecker 2020</a:t>
+            </a:r>
+          </a:p>
+        </p:txBody>
+      </p:sp>
+      <p:sp>
+        <p:nvSpPr>
+          <p:cNvPr id="4" name="Subtitle 2">
+            <a:extLst>
+              <a:ext uri="{FF2B5EF4-FFF2-40B4-BE49-F238E27FC236}">
+                <a16:creationId xmlns:a16="http://schemas.microsoft.com/office/drawing/2014/main" id="{033D1D91-1C78-5CFF-292F-B857ED6BC599}"/>
+              </a:ext>
+            </a:extLst>
+          </p:cNvPr>
+          <p:cNvSpPr txBox="1">
+            <a:spLocks/>
+          </p:cNvSpPr>
+          <p:nvPr/>
+        </p:nvSpPr>
+        <p:spPr>
+          <a:xfrm>
+            <a:off x="1524000" y="6382544"/>
+            <a:ext cx="3213100" cy="338137"/>
+          </a:xfrm>
+          <a:prstGeom prst="rect">
+            <a:avLst/>
+          </a:prstGeom>
+        </p:spPr>
+        <p:txBody>
+          <a:bodyPr vert="horz" lIns="91440" tIns="45720" rIns="91440" bIns="45720" rtlCol="0">
+            <a:normAutofit/>
+          </a:bodyPr>
+          <a:lstStyle>
+            <a:lvl1pPr marL="0" indent="0" algn="ctr" defTabSz="914400" rtl="0" eaLnBrk="1" latinLnBrk="0" hangingPunct="1">
+              <a:lnSpc>
+                <a:spcPct val="90000"/>
+              </a:lnSpc>
+              <a:spcBef>
+                <a:spcPts val="1000"/>
+              </a:spcBef>
+              <a:buFont typeface="Arial" panose="020B0604020202020204" pitchFamily="34" charset="0"/>
+              <a:buNone/>
+              <a:defRPr sz="2400" kern="1200">
+                <a:solidFill>
+                  <a:schemeClr val="tx1"/>
+                </a:solidFill>
+                <a:latin typeface="+mn-lt"/>
+                <a:ea typeface="+mn-ea"/>
+                <a:cs typeface="+mn-cs"/>
+              </a:defRPr>
+            </a:lvl1pPr>
+            <a:lvl2pPr marL="457200" indent="0" algn="ctr" defTabSz="914400" rtl="0" eaLnBrk="1" latinLnBrk="0" hangingPunct="1">
+              <a:lnSpc>
+                <a:spcPct val="90000"/>
+              </a:lnSpc>
+              <a:spcBef>
+                <a:spcPts val="500"/>
+              </a:spcBef>
+              <a:buFont typeface="Arial" panose="020B0604020202020204" pitchFamily="34" charset="0"/>
+              <a:buNone/>
+              <a:defRPr sz="2000" kern="1200">
+                <a:solidFill>
+                  <a:schemeClr val="tx1"/>
+                </a:solidFill>
+                <a:latin typeface="+mn-lt"/>
+                <a:ea typeface="+mn-ea"/>
+                <a:cs typeface="+mn-cs"/>
+              </a:defRPr>
+            </a:lvl2pPr>
+            <a:lvl3pPr marL="914400" indent="0" algn="ctr" defTabSz="914400" rtl="0" eaLnBrk="1" latinLnBrk="0" hangingPunct="1">
+              <a:lnSpc>
+                <a:spcPct val="90000"/>
+              </a:lnSpc>
+              <a:spcBef>
+                <a:spcPts val="500"/>
+              </a:spcBef>
+              <a:buFont typeface="Arial" panose="020B0604020202020204" pitchFamily="34" charset="0"/>
+              <a:buNone/>
+              <a:defRPr sz="1800" kern="1200">
+                <a:solidFill>
+                  <a:schemeClr val="tx1"/>
+                </a:solidFill>
+                <a:latin typeface="+mn-lt"/>
+                <a:ea typeface="+mn-ea"/>
+                <a:cs typeface="+mn-cs"/>
+              </a:defRPr>
+            </a:lvl3pPr>
+            <a:lvl4pPr marL="1371600" indent="0" algn="ctr" defTabSz="914400" rtl="0" eaLnBrk="1" latinLnBrk="0" hangingPunct="1">
+              <a:lnSpc>
+                <a:spcPct val="90000"/>
+              </a:lnSpc>
+              <a:spcBef>
+                <a:spcPts val="500"/>
+              </a:spcBef>
+              <a:buFont typeface="Arial" panose="020B0604020202020204" pitchFamily="34" charset="0"/>
+              <a:buNone/>
+              <a:defRPr sz="1600" kern="1200">
+                <a:solidFill>
+                  <a:schemeClr val="tx1"/>
+                </a:solidFill>
+                <a:latin typeface="+mn-lt"/>
+                <a:ea typeface="+mn-ea"/>
+                <a:cs typeface="+mn-cs"/>
+              </a:defRPr>
+            </a:lvl4pPr>
+            <a:lvl5pPr marL="1828800" indent="0" algn="ctr" defTabSz="914400" rtl="0" eaLnBrk="1" latinLnBrk="0" hangingPunct="1">
+              <a:lnSpc>
+                <a:spcPct val="90000"/>
+              </a:lnSpc>
+              <a:spcBef>
+                <a:spcPts val="500"/>
+              </a:spcBef>
+              <a:buFont typeface="Arial" panose="020B0604020202020204" pitchFamily="34" charset="0"/>
+              <a:buNone/>
+              <a:defRPr sz="1600" kern="1200">
+                <a:solidFill>
+                  <a:schemeClr val="tx1"/>
+                </a:solidFill>
+                <a:latin typeface="+mn-lt"/>
+                <a:ea typeface="+mn-ea"/>
+                <a:cs typeface="+mn-cs"/>
+              </a:defRPr>
+            </a:lvl5pPr>
+            <a:lvl6pPr marL="2286000" indent="0" algn="ctr" defTabSz="914400" rtl="0" eaLnBrk="1" latinLnBrk="0" hangingPunct="1">
+              <a:lnSpc>
+                <a:spcPct val="90000"/>
+              </a:lnSpc>
+              <a:spcBef>
+                <a:spcPts val="500"/>
+              </a:spcBef>
+              <a:buFont typeface="Arial" panose="020B0604020202020204" pitchFamily="34" charset="0"/>
+              <a:buNone/>
+              <a:defRPr sz="1600" kern="1200">
+                <a:solidFill>
+                  <a:schemeClr val="tx1"/>
+                </a:solidFill>
+                <a:latin typeface="+mn-lt"/>
+                <a:ea typeface="+mn-ea"/>
+                <a:cs typeface="+mn-cs"/>
+              </a:defRPr>
+            </a:lvl6pPr>
+            <a:lvl7pPr marL="2743200" indent="0" algn="ctr" defTabSz="914400" rtl="0" eaLnBrk="1" latinLnBrk="0" hangingPunct="1">
+              <a:lnSpc>
+                <a:spcPct val="90000"/>
+              </a:lnSpc>
+              <a:spcBef>
+                <a:spcPts val="500"/>
+              </a:spcBef>
+              <a:buFont typeface="Arial" panose="020B0604020202020204" pitchFamily="34" charset="0"/>
+              <a:buNone/>
+              <a:defRPr sz="1600" kern="1200">
+                <a:solidFill>
+                  <a:schemeClr val="tx1"/>
+                </a:solidFill>
+                <a:latin typeface="+mn-lt"/>
+                <a:ea typeface="+mn-ea"/>
+                <a:cs typeface="+mn-cs"/>
+              </a:defRPr>
+            </a:lvl7pPr>
+            <a:lvl8pPr marL="3200400" indent="0" algn="ctr" defTabSz="914400" rtl="0" eaLnBrk="1" latinLnBrk="0" hangingPunct="1">
+              <a:lnSpc>
+                <a:spcPct val="90000"/>
+              </a:lnSpc>
+              <a:spcBef>
+                <a:spcPts val="500"/>
+              </a:spcBef>
+              <a:buFont typeface="Arial" panose="020B0604020202020204" pitchFamily="34" charset="0"/>
+              <a:buNone/>
+              <a:defRPr sz="1600" kern="1200">
+                <a:solidFill>
+                  <a:schemeClr val="tx1"/>
+                </a:solidFill>
+                <a:latin typeface="+mn-lt"/>
+                <a:ea typeface="+mn-ea"/>
+                <a:cs typeface="+mn-cs"/>
+              </a:defRPr>
+            </a:lvl8pPr>
+            <a:lvl9pPr marL="3657600" indent="0" algn="ctr" defTabSz="914400" rtl="0" eaLnBrk="1" latinLnBrk="0" hangingPunct="1">
+              <a:lnSpc>
+                <a:spcPct val="90000"/>
+              </a:lnSpc>
+              <a:spcBef>
+                <a:spcPts val="500"/>
+              </a:spcBef>
+              <a:buFont typeface="Arial" panose="020B0604020202020204" pitchFamily="34" charset="0"/>
+              <a:buNone/>
+              <a:defRPr sz="1600" kern="1200">
+                <a:solidFill>
+                  <a:schemeClr val="tx1"/>
+                </a:solidFill>
+                <a:latin typeface="+mn-lt"/>
+                <a:ea typeface="+mn-ea"/>
+                <a:cs typeface="+mn-cs"/>
+              </a:defRPr>
+            </a:lvl9pPr>
+          </a:lstStyle>
+          <a:p>
+            <a:pPr algn="l"/>
+            <a:r>
+              <a:rPr lang="en-US" sz="1600" dirty="0"/>
+              <a:t>Presented by: Chinthaka Jayaweera</a:t>
+            </a:r>
           </a:p>
         </p:txBody>
       </p:sp>
@@ -3378,6 +3607,2294 @@
     <p:extLst>
       <p:ext uri="{BB962C8B-B14F-4D97-AF65-F5344CB8AC3E}">
         <p14:creationId xmlns:p14="http://schemas.microsoft.com/office/powerpoint/2010/main" val="1659282608"/>
+      </p:ext>
+    </p:extLst>
+  </p:cSld>
+  <p:clrMapOvr>
+    <a:masterClrMapping/>
+  </p:clrMapOvr>
+</p:sld>
+</file>
+
+<file path=ppt/slides/slide10.xml><?xml version="1.0" encoding="utf-8"?>
+<p:sld xmlns:a="http://schemas.openxmlformats.org/drawingml/2006/main" xmlns:r="http://schemas.openxmlformats.org/officeDocument/2006/relationships" xmlns:p="http://schemas.openxmlformats.org/presentationml/2006/main">
+  <p:cSld>
+    <p:spTree>
+      <p:nvGrpSpPr>
+        <p:cNvPr id="1" name=""/>
+        <p:cNvGrpSpPr/>
+        <p:nvPr/>
+      </p:nvGrpSpPr>
+      <p:grpSpPr>
+        <a:xfrm>
+          <a:off x="0" y="0"/>
+          <a:ext cx="0" cy="0"/>
+          <a:chOff x="0" y="0"/>
+          <a:chExt cx="0" cy="0"/>
+        </a:xfrm>
+      </p:grpSpPr>
+      <p:sp>
+        <p:nvSpPr>
+          <p:cNvPr id="3" name="Subtitle 2">
+            <a:extLst>
+              <a:ext uri="{FF2B5EF4-FFF2-40B4-BE49-F238E27FC236}">
+                <a16:creationId xmlns:a16="http://schemas.microsoft.com/office/drawing/2014/main" id="{038BE419-BB5F-A1E1-552E-536A04575F45}"/>
+              </a:ext>
+            </a:extLst>
+          </p:cNvPr>
+          <p:cNvSpPr>
+            <a:spLocks noGrp="1"/>
+          </p:cNvSpPr>
+          <p:nvPr>
+            <p:ph type="subTitle" idx="1"/>
+          </p:nvPr>
+        </p:nvSpPr>
+        <p:spPr>
+          <a:xfrm>
+            <a:off x="450850" y="566738"/>
+            <a:ext cx="11087100" cy="493712"/>
+          </a:xfrm>
+        </p:spPr>
+        <p:txBody>
+          <a:bodyPr>
+            <a:normAutofit/>
+          </a:bodyPr>
+          <a:lstStyle/>
+          <a:p>
+            <a:pPr algn="l"/>
+            <a:r>
+              <a:rPr lang="en-US" sz="2800" dirty="0"/>
+              <a:t>1. Methodology</a:t>
+            </a:r>
+          </a:p>
+          <a:p>
+            <a:pPr algn="l"/>
+            <a:endParaRPr lang="en-US" sz="2800" dirty="0"/>
+          </a:p>
+        </p:txBody>
+      </p:sp>
+      <p:sp>
+        <p:nvSpPr>
+          <p:cNvPr id="6" name="Subtitle 2">
+            <a:extLst>
+              <a:ext uri="{FF2B5EF4-FFF2-40B4-BE49-F238E27FC236}">
+                <a16:creationId xmlns:a16="http://schemas.microsoft.com/office/drawing/2014/main" id="{0FEC28F5-F55B-8B3C-5971-761AB0F22975}"/>
+              </a:ext>
+            </a:extLst>
+          </p:cNvPr>
+          <p:cNvSpPr txBox="1">
+            <a:spLocks/>
+          </p:cNvSpPr>
+          <p:nvPr/>
+        </p:nvSpPr>
+        <p:spPr>
+          <a:xfrm>
+            <a:off x="590550" y="1422400"/>
+            <a:ext cx="10077450" cy="3835400"/>
+          </a:xfrm>
+          <a:prstGeom prst="rect">
+            <a:avLst/>
+          </a:prstGeom>
+        </p:spPr>
+        <p:txBody>
+          <a:bodyPr vert="horz" lIns="91440" tIns="45720" rIns="91440" bIns="45720" rtlCol="0">
+            <a:normAutofit/>
+          </a:bodyPr>
+          <a:lstStyle>
+            <a:lvl1pPr marL="0" indent="0" algn="ctr" defTabSz="914400" rtl="0" eaLnBrk="1" latinLnBrk="0" hangingPunct="1">
+              <a:lnSpc>
+                <a:spcPct val="90000"/>
+              </a:lnSpc>
+              <a:spcBef>
+                <a:spcPts val="1000"/>
+              </a:spcBef>
+              <a:buFont typeface="Arial" panose="020B0604020202020204" pitchFamily="34" charset="0"/>
+              <a:buNone/>
+              <a:defRPr sz="2400" kern="1200">
+                <a:solidFill>
+                  <a:schemeClr val="tx1"/>
+                </a:solidFill>
+                <a:latin typeface="+mn-lt"/>
+                <a:ea typeface="+mn-ea"/>
+                <a:cs typeface="+mn-cs"/>
+              </a:defRPr>
+            </a:lvl1pPr>
+            <a:lvl2pPr marL="457200" indent="0" algn="ctr" defTabSz="914400" rtl="0" eaLnBrk="1" latinLnBrk="0" hangingPunct="1">
+              <a:lnSpc>
+                <a:spcPct val="90000"/>
+              </a:lnSpc>
+              <a:spcBef>
+                <a:spcPts val="500"/>
+              </a:spcBef>
+              <a:buFont typeface="Arial" panose="020B0604020202020204" pitchFamily="34" charset="0"/>
+              <a:buNone/>
+              <a:defRPr sz="2000" kern="1200">
+                <a:solidFill>
+                  <a:schemeClr val="tx1"/>
+                </a:solidFill>
+                <a:latin typeface="+mn-lt"/>
+                <a:ea typeface="+mn-ea"/>
+                <a:cs typeface="+mn-cs"/>
+              </a:defRPr>
+            </a:lvl2pPr>
+            <a:lvl3pPr marL="914400" indent="0" algn="ctr" defTabSz="914400" rtl="0" eaLnBrk="1" latinLnBrk="0" hangingPunct="1">
+              <a:lnSpc>
+                <a:spcPct val="90000"/>
+              </a:lnSpc>
+              <a:spcBef>
+                <a:spcPts val="500"/>
+              </a:spcBef>
+              <a:buFont typeface="Arial" panose="020B0604020202020204" pitchFamily="34" charset="0"/>
+              <a:buNone/>
+              <a:defRPr sz="1800" kern="1200">
+                <a:solidFill>
+                  <a:schemeClr val="tx1"/>
+                </a:solidFill>
+                <a:latin typeface="+mn-lt"/>
+                <a:ea typeface="+mn-ea"/>
+                <a:cs typeface="+mn-cs"/>
+              </a:defRPr>
+            </a:lvl3pPr>
+            <a:lvl4pPr marL="1371600" indent="0" algn="ctr" defTabSz="914400" rtl="0" eaLnBrk="1" latinLnBrk="0" hangingPunct="1">
+              <a:lnSpc>
+                <a:spcPct val="90000"/>
+              </a:lnSpc>
+              <a:spcBef>
+                <a:spcPts val="500"/>
+              </a:spcBef>
+              <a:buFont typeface="Arial" panose="020B0604020202020204" pitchFamily="34" charset="0"/>
+              <a:buNone/>
+              <a:defRPr sz="1600" kern="1200">
+                <a:solidFill>
+                  <a:schemeClr val="tx1"/>
+                </a:solidFill>
+                <a:latin typeface="+mn-lt"/>
+                <a:ea typeface="+mn-ea"/>
+                <a:cs typeface="+mn-cs"/>
+              </a:defRPr>
+            </a:lvl4pPr>
+            <a:lvl5pPr marL="1828800" indent="0" algn="ctr" defTabSz="914400" rtl="0" eaLnBrk="1" latinLnBrk="0" hangingPunct="1">
+              <a:lnSpc>
+                <a:spcPct val="90000"/>
+              </a:lnSpc>
+              <a:spcBef>
+                <a:spcPts val="500"/>
+              </a:spcBef>
+              <a:buFont typeface="Arial" panose="020B0604020202020204" pitchFamily="34" charset="0"/>
+              <a:buNone/>
+              <a:defRPr sz="1600" kern="1200">
+                <a:solidFill>
+                  <a:schemeClr val="tx1"/>
+                </a:solidFill>
+                <a:latin typeface="+mn-lt"/>
+                <a:ea typeface="+mn-ea"/>
+                <a:cs typeface="+mn-cs"/>
+              </a:defRPr>
+            </a:lvl5pPr>
+            <a:lvl6pPr marL="2286000" indent="0" algn="ctr" defTabSz="914400" rtl="0" eaLnBrk="1" latinLnBrk="0" hangingPunct="1">
+              <a:lnSpc>
+                <a:spcPct val="90000"/>
+              </a:lnSpc>
+              <a:spcBef>
+                <a:spcPts val="500"/>
+              </a:spcBef>
+              <a:buFont typeface="Arial" panose="020B0604020202020204" pitchFamily="34" charset="0"/>
+              <a:buNone/>
+              <a:defRPr sz="1600" kern="1200">
+                <a:solidFill>
+                  <a:schemeClr val="tx1"/>
+                </a:solidFill>
+                <a:latin typeface="+mn-lt"/>
+                <a:ea typeface="+mn-ea"/>
+                <a:cs typeface="+mn-cs"/>
+              </a:defRPr>
+            </a:lvl6pPr>
+            <a:lvl7pPr marL="2743200" indent="0" algn="ctr" defTabSz="914400" rtl="0" eaLnBrk="1" latinLnBrk="0" hangingPunct="1">
+              <a:lnSpc>
+                <a:spcPct val="90000"/>
+              </a:lnSpc>
+              <a:spcBef>
+                <a:spcPts val="500"/>
+              </a:spcBef>
+              <a:buFont typeface="Arial" panose="020B0604020202020204" pitchFamily="34" charset="0"/>
+              <a:buNone/>
+              <a:defRPr sz="1600" kern="1200">
+                <a:solidFill>
+                  <a:schemeClr val="tx1"/>
+                </a:solidFill>
+                <a:latin typeface="+mn-lt"/>
+                <a:ea typeface="+mn-ea"/>
+                <a:cs typeface="+mn-cs"/>
+              </a:defRPr>
+            </a:lvl7pPr>
+            <a:lvl8pPr marL="3200400" indent="0" algn="ctr" defTabSz="914400" rtl="0" eaLnBrk="1" latinLnBrk="0" hangingPunct="1">
+              <a:lnSpc>
+                <a:spcPct val="90000"/>
+              </a:lnSpc>
+              <a:spcBef>
+                <a:spcPts val="500"/>
+              </a:spcBef>
+              <a:buFont typeface="Arial" panose="020B0604020202020204" pitchFamily="34" charset="0"/>
+              <a:buNone/>
+              <a:defRPr sz="1600" kern="1200">
+                <a:solidFill>
+                  <a:schemeClr val="tx1"/>
+                </a:solidFill>
+                <a:latin typeface="+mn-lt"/>
+                <a:ea typeface="+mn-ea"/>
+                <a:cs typeface="+mn-cs"/>
+              </a:defRPr>
+            </a:lvl8pPr>
+            <a:lvl9pPr marL="3657600" indent="0" algn="ctr" defTabSz="914400" rtl="0" eaLnBrk="1" latinLnBrk="0" hangingPunct="1">
+              <a:lnSpc>
+                <a:spcPct val="90000"/>
+              </a:lnSpc>
+              <a:spcBef>
+                <a:spcPts val="500"/>
+              </a:spcBef>
+              <a:buFont typeface="Arial" panose="020B0604020202020204" pitchFamily="34" charset="0"/>
+              <a:buNone/>
+              <a:defRPr sz="1600" kern="1200">
+                <a:solidFill>
+                  <a:schemeClr val="tx1"/>
+                </a:solidFill>
+                <a:latin typeface="+mn-lt"/>
+                <a:ea typeface="+mn-ea"/>
+                <a:cs typeface="+mn-cs"/>
+              </a:defRPr>
+            </a:lvl9pPr>
+          </a:lstStyle>
+          <a:p>
+            <a:pPr algn="l"/>
+            <a:r>
+              <a:rPr lang="en-US" dirty="0"/>
+              <a:t>Write the Content here</a:t>
+            </a:r>
+          </a:p>
+        </p:txBody>
+      </p:sp>
+    </p:spTree>
+    <p:extLst>
+      <p:ext uri="{BB962C8B-B14F-4D97-AF65-F5344CB8AC3E}">
+        <p14:creationId xmlns:p14="http://schemas.microsoft.com/office/powerpoint/2010/main" val="3054494806"/>
+      </p:ext>
+    </p:extLst>
+  </p:cSld>
+  <p:clrMapOvr>
+    <a:masterClrMapping/>
+  </p:clrMapOvr>
+</p:sld>
+</file>
+
+<file path=ppt/slides/slide2.xml><?xml version="1.0" encoding="utf-8"?>
+<p:sld xmlns:a="http://schemas.openxmlformats.org/drawingml/2006/main" xmlns:r="http://schemas.openxmlformats.org/officeDocument/2006/relationships" xmlns:p="http://schemas.openxmlformats.org/presentationml/2006/main">
+  <p:cSld>
+    <p:spTree>
+      <p:nvGrpSpPr>
+        <p:cNvPr id="1" name=""/>
+        <p:cNvGrpSpPr/>
+        <p:nvPr/>
+      </p:nvGrpSpPr>
+      <p:grpSpPr>
+        <a:xfrm>
+          <a:off x="0" y="0"/>
+          <a:ext cx="0" cy="0"/>
+          <a:chOff x="0" y="0"/>
+          <a:chExt cx="0" cy="0"/>
+        </a:xfrm>
+      </p:grpSpPr>
+      <p:sp>
+        <p:nvSpPr>
+          <p:cNvPr id="3" name="Subtitle 2">
+            <a:extLst>
+              <a:ext uri="{FF2B5EF4-FFF2-40B4-BE49-F238E27FC236}">
+                <a16:creationId xmlns:a16="http://schemas.microsoft.com/office/drawing/2014/main" id="{038BE419-BB5F-A1E1-552E-536A04575F45}"/>
+              </a:ext>
+            </a:extLst>
+          </p:cNvPr>
+          <p:cNvSpPr>
+            <a:spLocks noGrp="1"/>
+          </p:cNvSpPr>
+          <p:nvPr>
+            <p:ph type="subTitle" idx="1"/>
+          </p:nvPr>
+        </p:nvSpPr>
+        <p:spPr>
+          <a:xfrm>
+            <a:off x="552450" y="831850"/>
+            <a:ext cx="10115550" cy="4425950"/>
+          </a:xfrm>
+        </p:spPr>
+        <p:txBody>
+          <a:bodyPr/>
+          <a:lstStyle/>
+          <a:p>
+            <a:pPr algn="l"/>
+            <a:r>
+              <a:rPr lang="en-US" dirty="0"/>
+              <a:t>Contents</a:t>
+            </a:r>
+          </a:p>
+          <a:p>
+            <a:pPr algn="l"/>
+            <a:endParaRPr lang="en-US" sz="1800" dirty="0"/>
+          </a:p>
+          <a:p>
+            <a:pPr marL="342900" indent="-342900" algn="l">
+              <a:buFont typeface="+mj-lt"/>
+              <a:buAutoNum type="arabicPeriod"/>
+            </a:pPr>
+            <a:r>
+              <a:rPr lang="en-US" sz="1800" dirty="0"/>
+              <a:t>Methodology</a:t>
+            </a:r>
+          </a:p>
+          <a:p>
+            <a:pPr marL="342900" indent="-342900" algn="l">
+              <a:buFont typeface="+mj-lt"/>
+              <a:buAutoNum type="arabicPeriod"/>
+            </a:pPr>
+            <a:r>
+              <a:rPr lang="en-US" sz="1800" dirty="0"/>
+              <a:t>Related works</a:t>
+            </a:r>
+          </a:p>
+          <a:p>
+            <a:pPr marL="342900" indent="-342900" algn="l">
+              <a:buFont typeface="+mj-lt"/>
+              <a:buAutoNum type="arabicPeriod"/>
+            </a:pPr>
+            <a:r>
+              <a:rPr lang="en-US" sz="1800" dirty="0"/>
+              <a:t>The algorithm</a:t>
+            </a:r>
+          </a:p>
+          <a:p>
+            <a:pPr marL="342900" indent="-342900" algn="l">
+              <a:buFont typeface="+mj-lt"/>
+              <a:buAutoNum type="arabicPeriod"/>
+            </a:pPr>
+            <a:r>
+              <a:rPr lang="en-US" sz="1800" dirty="0"/>
+              <a:t>The experiment</a:t>
+            </a:r>
+          </a:p>
+          <a:p>
+            <a:pPr marL="342900" indent="-342900" algn="l">
+              <a:buFont typeface="+mj-lt"/>
+              <a:buAutoNum type="arabicPeriod"/>
+            </a:pPr>
+            <a:r>
+              <a:rPr lang="en-US" sz="1800" dirty="0"/>
+              <a:t>Results</a:t>
+            </a:r>
+          </a:p>
+          <a:p>
+            <a:pPr marL="342900" indent="-342900" algn="l">
+              <a:buFont typeface="+mj-lt"/>
+              <a:buAutoNum type="arabicPeriod"/>
+            </a:pPr>
+            <a:r>
+              <a:rPr lang="en-US" sz="1800" dirty="0"/>
+              <a:t>Discussion</a:t>
+            </a:r>
+          </a:p>
+        </p:txBody>
+      </p:sp>
+    </p:spTree>
+    <p:extLst>
+      <p:ext uri="{BB962C8B-B14F-4D97-AF65-F5344CB8AC3E}">
+        <p14:creationId xmlns:p14="http://schemas.microsoft.com/office/powerpoint/2010/main" val="943884749"/>
+      </p:ext>
+    </p:extLst>
+  </p:cSld>
+  <p:clrMapOvr>
+    <a:masterClrMapping/>
+  </p:clrMapOvr>
+</p:sld>
+</file>
+
+<file path=ppt/slides/slide3.xml><?xml version="1.0" encoding="utf-8"?>
+<p:sld xmlns:a="http://schemas.openxmlformats.org/drawingml/2006/main" xmlns:r="http://schemas.openxmlformats.org/officeDocument/2006/relationships" xmlns:p="http://schemas.openxmlformats.org/presentationml/2006/main">
+  <p:cSld>
+    <p:spTree>
+      <p:nvGrpSpPr>
+        <p:cNvPr id="1" name=""/>
+        <p:cNvGrpSpPr/>
+        <p:nvPr/>
+      </p:nvGrpSpPr>
+      <p:grpSpPr>
+        <a:xfrm>
+          <a:off x="0" y="0"/>
+          <a:ext cx="0" cy="0"/>
+          <a:chOff x="0" y="0"/>
+          <a:chExt cx="0" cy="0"/>
+        </a:xfrm>
+      </p:grpSpPr>
+      <p:sp>
+        <p:nvSpPr>
+          <p:cNvPr id="3" name="Subtitle 2">
+            <a:extLst>
+              <a:ext uri="{FF2B5EF4-FFF2-40B4-BE49-F238E27FC236}">
+                <a16:creationId xmlns:a16="http://schemas.microsoft.com/office/drawing/2014/main" id="{038BE419-BB5F-A1E1-552E-536A04575F45}"/>
+              </a:ext>
+            </a:extLst>
+          </p:cNvPr>
+          <p:cNvSpPr>
+            <a:spLocks noGrp="1"/>
+          </p:cNvSpPr>
+          <p:nvPr>
+            <p:ph type="subTitle" idx="1"/>
+          </p:nvPr>
+        </p:nvSpPr>
+        <p:spPr>
+          <a:xfrm>
+            <a:off x="450850" y="566738"/>
+            <a:ext cx="11087100" cy="493712"/>
+          </a:xfrm>
+        </p:spPr>
+        <p:txBody>
+          <a:bodyPr>
+            <a:normAutofit/>
+          </a:bodyPr>
+          <a:lstStyle/>
+          <a:p>
+            <a:pPr algn="l"/>
+            <a:r>
+              <a:rPr lang="en-US" sz="2800" dirty="0"/>
+              <a:t>1. Methodology</a:t>
+            </a:r>
+          </a:p>
+          <a:p>
+            <a:pPr algn="l"/>
+            <a:endParaRPr lang="en-US" sz="2800" dirty="0"/>
+          </a:p>
+        </p:txBody>
+      </p:sp>
+      <p:sp>
+        <p:nvSpPr>
+          <p:cNvPr id="6" name="Subtitle 2">
+            <a:extLst>
+              <a:ext uri="{FF2B5EF4-FFF2-40B4-BE49-F238E27FC236}">
+                <a16:creationId xmlns:a16="http://schemas.microsoft.com/office/drawing/2014/main" id="{0FEC28F5-F55B-8B3C-5971-761AB0F22975}"/>
+              </a:ext>
+            </a:extLst>
+          </p:cNvPr>
+          <p:cNvSpPr txBox="1">
+            <a:spLocks/>
+          </p:cNvSpPr>
+          <p:nvPr/>
+        </p:nvSpPr>
+        <p:spPr>
+          <a:xfrm>
+            <a:off x="590550" y="1422400"/>
+            <a:ext cx="10077450" cy="3835400"/>
+          </a:xfrm>
+          <a:prstGeom prst="rect">
+            <a:avLst/>
+          </a:prstGeom>
+        </p:spPr>
+        <p:txBody>
+          <a:bodyPr vert="horz" lIns="91440" tIns="45720" rIns="91440" bIns="45720" rtlCol="0">
+            <a:normAutofit/>
+          </a:bodyPr>
+          <a:lstStyle>
+            <a:lvl1pPr marL="0" indent="0" algn="ctr" defTabSz="914400" rtl="0" eaLnBrk="1" latinLnBrk="0" hangingPunct="1">
+              <a:lnSpc>
+                <a:spcPct val="90000"/>
+              </a:lnSpc>
+              <a:spcBef>
+                <a:spcPts val="1000"/>
+              </a:spcBef>
+              <a:buFont typeface="Arial" panose="020B0604020202020204" pitchFamily="34" charset="0"/>
+              <a:buNone/>
+              <a:defRPr sz="2400" kern="1200">
+                <a:solidFill>
+                  <a:schemeClr val="tx1"/>
+                </a:solidFill>
+                <a:latin typeface="+mn-lt"/>
+                <a:ea typeface="+mn-ea"/>
+                <a:cs typeface="+mn-cs"/>
+              </a:defRPr>
+            </a:lvl1pPr>
+            <a:lvl2pPr marL="457200" indent="0" algn="ctr" defTabSz="914400" rtl="0" eaLnBrk="1" latinLnBrk="0" hangingPunct="1">
+              <a:lnSpc>
+                <a:spcPct val="90000"/>
+              </a:lnSpc>
+              <a:spcBef>
+                <a:spcPts val="500"/>
+              </a:spcBef>
+              <a:buFont typeface="Arial" panose="020B0604020202020204" pitchFamily="34" charset="0"/>
+              <a:buNone/>
+              <a:defRPr sz="2000" kern="1200">
+                <a:solidFill>
+                  <a:schemeClr val="tx1"/>
+                </a:solidFill>
+                <a:latin typeface="+mn-lt"/>
+                <a:ea typeface="+mn-ea"/>
+                <a:cs typeface="+mn-cs"/>
+              </a:defRPr>
+            </a:lvl2pPr>
+            <a:lvl3pPr marL="914400" indent="0" algn="ctr" defTabSz="914400" rtl="0" eaLnBrk="1" latinLnBrk="0" hangingPunct="1">
+              <a:lnSpc>
+                <a:spcPct val="90000"/>
+              </a:lnSpc>
+              <a:spcBef>
+                <a:spcPts val="500"/>
+              </a:spcBef>
+              <a:buFont typeface="Arial" panose="020B0604020202020204" pitchFamily="34" charset="0"/>
+              <a:buNone/>
+              <a:defRPr sz="1800" kern="1200">
+                <a:solidFill>
+                  <a:schemeClr val="tx1"/>
+                </a:solidFill>
+                <a:latin typeface="+mn-lt"/>
+                <a:ea typeface="+mn-ea"/>
+                <a:cs typeface="+mn-cs"/>
+              </a:defRPr>
+            </a:lvl3pPr>
+            <a:lvl4pPr marL="1371600" indent="0" algn="ctr" defTabSz="914400" rtl="0" eaLnBrk="1" latinLnBrk="0" hangingPunct="1">
+              <a:lnSpc>
+                <a:spcPct val="90000"/>
+              </a:lnSpc>
+              <a:spcBef>
+                <a:spcPts val="500"/>
+              </a:spcBef>
+              <a:buFont typeface="Arial" panose="020B0604020202020204" pitchFamily="34" charset="0"/>
+              <a:buNone/>
+              <a:defRPr sz="1600" kern="1200">
+                <a:solidFill>
+                  <a:schemeClr val="tx1"/>
+                </a:solidFill>
+                <a:latin typeface="+mn-lt"/>
+                <a:ea typeface="+mn-ea"/>
+                <a:cs typeface="+mn-cs"/>
+              </a:defRPr>
+            </a:lvl4pPr>
+            <a:lvl5pPr marL="1828800" indent="0" algn="ctr" defTabSz="914400" rtl="0" eaLnBrk="1" latinLnBrk="0" hangingPunct="1">
+              <a:lnSpc>
+                <a:spcPct val="90000"/>
+              </a:lnSpc>
+              <a:spcBef>
+                <a:spcPts val="500"/>
+              </a:spcBef>
+              <a:buFont typeface="Arial" panose="020B0604020202020204" pitchFamily="34" charset="0"/>
+              <a:buNone/>
+              <a:defRPr sz="1600" kern="1200">
+                <a:solidFill>
+                  <a:schemeClr val="tx1"/>
+                </a:solidFill>
+                <a:latin typeface="+mn-lt"/>
+                <a:ea typeface="+mn-ea"/>
+                <a:cs typeface="+mn-cs"/>
+              </a:defRPr>
+            </a:lvl5pPr>
+            <a:lvl6pPr marL="2286000" indent="0" algn="ctr" defTabSz="914400" rtl="0" eaLnBrk="1" latinLnBrk="0" hangingPunct="1">
+              <a:lnSpc>
+                <a:spcPct val="90000"/>
+              </a:lnSpc>
+              <a:spcBef>
+                <a:spcPts val="500"/>
+              </a:spcBef>
+              <a:buFont typeface="Arial" panose="020B0604020202020204" pitchFamily="34" charset="0"/>
+              <a:buNone/>
+              <a:defRPr sz="1600" kern="1200">
+                <a:solidFill>
+                  <a:schemeClr val="tx1"/>
+                </a:solidFill>
+                <a:latin typeface="+mn-lt"/>
+                <a:ea typeface="+mn-ea"/>
+                <a:cs typeface="+mn-cs"/>
+              </a:defRPr>
+            </a:lvl6pPr>
+            <a:lvl7pPr marL="2743200" indent="0" algn="ctr" defTabSz="914400" rtl="0" eaLnBrk="1" latinLnBrk="0" hangingPunct="1">
+              <a:lnSpc>
+                <a:spcPct val="90000"/>
+              </a:lnSpc>
+              <a:spcBef>
+                <a:spcPts val="500"/>
+              </a:spcBef>
+              <a:buFont typeface="Arial" panose="020B0604020202020204" pitchFamily="34" charset="0"/>
+              <a:buNone/>
+              <a:defRPr sz="1600" kern="1200">
+                <a:solidFill>
+                  <a:schemeClr val="tx1"/>
+                </a:solidFill>
+                <a:latin typeface="+mn-lt"/>
+                <a:ea typeface="+mn-ea"/>
+                <a:cs typeface="+mn-cs"/>
+              </a:defRPr>
+            </a:lvl7pPr>
+            <a:lvl8pPr marL="3200400" indent="0" algn="ctr" defTabSz="914400" rtl="0" eaLnBrk="1" latinLnBrk="0" hangingPunct="1">
+              <a:lnSpc>
+                <a:spcPct val="90000"/>
+              </a:lnSpc>
+              <a:spcBef>
+                <a:spcPts val="500"/>
+              </a:spcBef>
+              <a:buFont typeface="Arial" panose="020B0604020202020204" pitchFamily="34" charset="0"/>
+              <a:buNone/>
+              <a:defRPr sz="1600" kern="1200">
+                <a:solidFill>
+                  <a:schemeClr val="tx1"/>
+                </a:solidFill>
+                <a:latin typeface="+mn-lt"/>
+                <a:ea typeface="+mn-ea"/>
+                <a:cs typeface="+mn-cs"/>
+              </a:defRPr>
+            </a:lvl8pPr>
+            <a:lvl9pPr marL="3657600" indent="0" algn="ctr" defTabSz="914400" rtl="0" eaLnBrk="1" latinLnBrk="0" hangingPunct="1">
+              <a:lnSpc>
+                <a:spcPct val="90000"/>
+              </a:lnSpc>
+              <a:spcBef>
+                <a:spcPts val="500"/>
+              </a:spcBef>
+              <a:buFont typeface="Arial" panose="020B0604020202020204" pitchFamily="34" charset="0"/>
+              <a:buNone/>
+              <a:defRPr sz="1600" kern="1200">
+                <a:solidFill>
+                  <a:schemeClr val="tx1"/>
+                </a:solidFill>
+                <a:latin typeface="+mn-lt"/>
+                <a:ea typeface="+mn-ea"/>
+                <a:cs typeface="+mn-cs"/>
+              </a:defRPr>
+            </a:lvl9pPr>
+          </a:lstStyle>
+          <a:p>
+            <a:pPr algn="l"/>
+            <a:r>
+              <a:rPr lang="en-US" dirty="0"/>
+              <a:t>Write the Content here</a:t>
+            </a:r>
+          </a:p>
+        </p:txBody>
+      </p:sp>
+    </p:spTree>
+    <p:extLst>
+      <p:ext uri="{BB962C8B-B14F-4D97-AF65-F5344CB8AC3E}">
+        <p14:creationId xmlns:p14="http://schemas.microsoft.com/office/powerpoint/2010/main" val="4062851241"/>
+      </p:ext>
+    </p:extLst>
+  </p:cSld>
+  <p:clrMapOvr>
+    <a:masterClrMapping/>
+  </p:clrMapOvr>
+</p:sld>
+</file>
+
+<file path=ppt/slides/slide4.xml><?xml version="1.0" encoding="utf-8"?>
+<p:sld xmlns:a="http://schemas.openxmlformats.org/drawingml/2006/main" xmlns:r="http://schemas.openxmlformats.org/officeDocument/2006/relationships" xmlns:p="http://schemas.openxmlformats.org/presentationml/2006/main">
+  <p:cSld>
+    <p:spTree>
+      <p:nvGrpSpPr>
+        <p:cNvPr id="1" name=""/>
+        <p:cNvGrpSpPr/>
+        <p:nvPr/>
+      </p:nvGrpSpPr>
+      <p:grpSpPr>
+        <a:xfrm>
+          <a:off x="0" y="0"/>
+          <a:ext cx="0" cy="0"/>
+          <a:chOff x="0" y="0"/>
+          <a:chExt cx="0" cy="0"/>
+        </a:xfrm>
+      </p:grpSpPr>
+      <p:sp>
+        <p:nvSpPr>
+          <p:cNvPr id="3" name="Subtitle 2">
+            <a:extLst>
+              <a:ext uri="{FF2B5EF4-FFF2-40B4-BE49-F238E27FC236}">
+                <a16:creationId xmlns:a16="http://schemas.microsoft.com/office/drawing/2014/main" id="{038BE419-BB5F-A1E1-552E-536A04575F45}"/>
+              </a:ext>
+            </a:extLst>
+          </p:cNvPr>
+          <p:cNvSpPr>
+            <a:spLocks noGrp="1"/>
+          </p:cNvSpPr>
+          <p:nvPr>
+            <p:ph type="subTitle" idx="1"/>
+          </p:nvPr>
+        </p:nvSpPr>
+        <p:spPr>
+          <a:xfrm>
+            <a:off x="450850" y="566738"/>
+            <a:ext cx="11087100" cy="493712"/>
+          </a:xfrm>
+        </p:spPr>
+        <p:txBody>
+          <a:bodyPr>
+            <a:normAutofit/>
+          </a:bodyPr>
+          <a:lstStyle/>
+          <a:p>
+            <a:pPr algn="l"/>
+            <a:r>
+              <a:rPr lang="en-US" sz="2800" dirty="0"/>
+              <a:t>1. Methodology</a:t>
+            </a:r>
+          </a:p>
+          <a:p>
+            <a:pPr algn="l"/>
+            <a:endParaRPr lang="en-US" sz="2800" dirty="0"/>
+          </a:p>
+        </p:txBody>
+      </p:sp>
+      <p:sp>
+        <p:nvSpPr>
+          <p:cNvPr id="6" name="Subtitle 2">
+            <a:extLst>
+              <a:ext uri="{FF2B5EF4-FFF2-40B4-BE49-F238E27FC236}">
+                <a16:creationId xmlns:a16="http://schemas.microsoft.com/office/drawing/2014/main" id="{0FEC28F5-F55B-8B3C-5971-761AB0F22975}"/>
+              </a:ext>
+            </a:extLst>
+          </p:cNvPr>
+          <p:cNvSpPr txBox="1">
+            <a:spLocks/>
+          </p:cNvSpPr>
+          <p:nvPr/>
+        </p:nvSpPr>
+        <p:spPr>
+          <a:xfrm>
+            <a:off x="590550" y="1422400"/>
+            <a:ext cx="10077450" cy="3835400"/>
+          </a:xfrm>
+          <a:prstGeom prst="rect">
+            <a:avLst/>
+          </a:prstGeom>
+        </p:spPr>
+        <p:txBody>
+          <a:bodyPr vert="horz" lIns="91440" tIns="45720" rIns="91440" bIns="45720" rtlCol="0">
+            <a:normAutofit/>
+          </a:bodyPr>
+          <a:lstStyle>
+            <a:lvl1pPr marL="0" indent="0" algn="ctr" defTabSz="914400" rtl="0" eaLnBrk="1" latinLnBrk="0" hangingPunct="1">
+              <a:lnSpc>
+                <a:spcPct val="90000"/>
+              </a:lnSpc>
+              <a:spcBef>
+                <a:spcPts val="1000"/>
+              </a:spcBef>
+              <a:buFont typeface="Arial" panose="020B0604020202020204" pitchFamily="34" charset="0"/>
+              <a:buNone/>
+              <a:defRPr sz="2400" kern="1200">
+                <a:solidFill>
+                  <a:schemeClr val="tx1"/>
+                </a:solidFill>
+                <a:latin typeface="+mn-lt"/>
+                <a:ea typeface="+mn-ea"/>
+                <a:cs typeface="+mn-cs"/>
+              </a:defRPr>
+            </a:lvl1pPr>
+            <a:lvl2pPr marL="457200" indent="0" algn="ctr" defTabSz="914400" rtl="0" eaLnBrk="1" latinLnBrk="0" hangingPunct="1">
+              <a:lnSpc>
+                <a:spcPct val="90000"/>
+              </a:lnSpc>
+              <a:spcBef>
+                <a:spcPts val="500"/>
+              </a:spcBef>
+              <a:buFont typeface="Arial" panose="020B0604020202020204" pitchFamily="34" charset="0"/>
+              <a:buNone/>
+              <a:defRPr sz="2000" kern="1200">
+                <a:solidFill>
+                  <a:schemeClr val="tx1"/>
+                </a:solidFill>
+                <a:latin typeface="+mn-lt"/>
+                <a:ea typeface="+mn-ea"/>
+                <a:cs typeface="+mn-cs"/>
+              </a:defRPr>
+            </a:lvl2pPr>
+            <a:lvl3pPr marL="914400" indent="0" algn="ctr" defTabSz="914400" rtl="0" eaLnBrk="1" latinLnBrk="0" hangingPunct="1">
+              <a:lnSpc>
+                <a:spcPct val="90000"/>
+              </a:lnSpc>
+              <a:spcBef>
+                <a:spcPts val="500"/>
+              </a:spcBef>
+              <a:buFont typeface="Arial" panose="020B0604020202020204" pitchFamily="34" charset="0"/>
+              <a:buNone/>
+              <a:defRPr sz="1800" kern="1200">
+                <a:solidFill>
+                  <a:schemeClr val="tx1"/>
+                </a:solidFill>
+                <a:latin typeface="+mn-lt"/>
+                <a:ea typeface="+mn-ea"/>
+                <a:cs typeface="+mn-cs"/>
+              </a:defRPr>
+            </a:lvl3pPr>
+            <a:lvl4pPr marL="1371600" indent="0" algn="ctr" defTabSz="914400" rtl="0" eaLnBrk="1" latinLnBrk="0" hangingPunct="1">
+              <a:lnSpc>
+                <a:spcPct val="90000"/>
+              </a:lnSpc>
+              <a:spcBef>
+                <a:spcPts val="500"/>
+              </a:spcBef>
+              <a:buFont typeface="Arial" panose="020B0604020202020204" pitchFamily="34" charset="0"/>
+              <a:buNone/>
+              <a:defRPr sz="1600" kern="1200">
+                <a:solidFill>
+                  <a:schemeClr val="tx1"/>
+                </a:solidFill>
+                <a:latin typeface="+mn-lt"/>
+                <a:ea typeface="+mn-ea"/>
+                <a:cs typeface="+mn-cs"/>
+              </a:defRPr>
+            </a:lvl4pPr>
+            <a:lvl5pPr marL="1828800" indent="0" algn="ctr" defTabSz="914400" rtl="0" eaLnBrk="1" latinLnBrk="0" hangingPunct="1">
+              <a:lnSpc>
+                <a:spcPct val="90000"/>
+              </a:lnSpc>
+              <a:spcBef>
+                <a:spcPts val="500"/>
+              </a:spcBef>
+              <a:buFont typeface="Arial" panose="020B0604020202020204" pitchFamily="34" charset="0"/>
+              <a:buNone/>
+              <a:defRPr sz="1600" kern="1200">
+                <a:solidFill>
+                  <a:schemeClr val="tx1"/>
+                </a:solidFill>
+                <a:latin typeface="+mn-lt"/>
+                <a:ea typeface="+mn-ea"/>
+                <a:cs typeface="+mn-cs"/>
+              </a:defRPr>
+            </a:lvl5pPr>
+            <a:lvl6pPr marL="2286000" indent="0" algn="ctr" defTabSz="914400" rtl="0" eaLnBrk="1" latinLnBrk="0" hangingPunct="1">
+              <a:lnSpc>
+                <a:spcPct val="90000"/>
+              </a:lnSpc>
+              <a:spcBef>
+                <a:spcPts val="500"/>
+              </a:spcBef>
+              <a:buFont typeface="Arial" panose="020B0604020202020204" pitchFamily="34" charset="0"/>
+              <a:buNone/>
+              <a:defRPr sz="1600" kern="1200">
+                <a:solidFill>
+                  <a:schemeClr val="tx1"/>
+                </a:solidFill>
+                <a:latin typeface="+mn-lt"/>
+                <a:ea typeface="+mn-ea"/>
+                <a:cs typeface="+mn-cs"/>
+              </a:defRPr>
+            </a:lvl6pPr>
+            <a:lvl7pPr marL="2743200" indent="0" algn="ctr" defTabSz="914400" rtl="0" eaLnBrk="1" latinLnBrk="0" hangingPunct="1">
+              <a:lnSpc>
+                <a:spcPct val="90000"/>
+              </a:lnSpc>
+              <a:spcBef>
+                <a:spcPts val="500"/>
+              </a:spcBef>
+              <a:buFont typeface="Arial" panose="020B0604020202020204" pitchFamily="34" charset="0"/>
+              <a:buNone/>
+              <a:defRPr sz="1600" kern="1200">
+                <a:solidFill>
+                  <a:schemeClr val="tx1"/>
+                </a:solidFill>
+                <a:latin typeface="+mn-lt"/>
+                <a:ea typeface="+mn-ea"/>
+                <a:cs typeface="+mn-cs"/>
+              </a:defRPr>
+            </a:lvl7pPr>
+            <a:lvl8pPr marL="3200400" indent="0" algn="ctr" defTabSz="914400" rtl="0" eaLnBrk="1" latinLnBrk="0" hangingPunct="1">
+              <a:lnSpc>
+                <a:spcPct val="90000"/>
+              </a:lnSpc>
+              <a:spcBef>
+                <a:spcPts val="500"/>
+              </a:spcBef>
+              <a:buFont typeface="Arial" panose="020B0604020202020204" pitchFamily="34" charset="0"/>
+              <a:buNone/>
+              <a:defRPr sz="1600" kern="1200">
+                <a:solidFill>
+                  <a:schemeClr val="tx1"/>
+                </a:solidFill>
+                <a:latin typeface="+mn-lt"/>
+                <a:ea typeface="+mn-ea"/>
+                <a:cs typeface="+mn-cs"/>
+              </a:defRPr>
+            </a:lvl8pPr>
+            <a:lvl9pPr marL="3657600" indent="0" algn="ctr" defTabSz="914400" rtl="0" eaLnBrk="1" latinLnBrk="0" hangingPunct="1">
+              <a:lnSpc>
+                <a:spcPct val="90000"/>
+              </a:lnSpc>
+              <a:spcBef>
+                <a:spcPts val="500"/>
+              </a:spcBef>
+              <a:buFont typeface="Arial" panose="020B0604020202020204" pitchFamily="34" charset="0"/>
+              <a:buNone/>
+              <a:defRPr sz="1600" kern="1200">
+                <a:solidFill>
+                  <a:schemeClr val="tx1"/>
+                </a:solidFill>
+                <a:latin typeface="+mn-lt"/>
+                <a:ea typeface="+mn-ea"/>
+                <a:cs typeface="+mn-cs"/>
+              </a:defRPr>
+            </a:lvl9pPr>
+          </a:lstStyle>
+          <a:p>
+            <a:pPr algn="l"/>
+            <a:r>
+              <a:rPr lang="en-US" dirty="0"/>
+              <a:t>Write the Content here</a:t>
+            </a:r>
+          </a:p>
+        </p:txBody>
+      </p:sp>
+    </p:spTree>
+    <p:extLst>
+      <p:ext uri="{BB962C8B-B14F-4D97-AF65-F5344CB8AC3E}">
+        <p14:creationId xmlns:p14="http://schemas.microsoft.com/office/powerpoint/2010/main" val="587146060"/>
+      </p:ext>
+    </p:extLst>
+  </p:cSld>
+  <p:clrMapOvr>
+    <a:masterClrMapping/>
+  </p:clrMapOvr>
+</p:sld>
+</file>
+
+<file path=ppt/slides/slide5.xml><?xml version="1.0" encoding="utf-8"?>
+<p:sld xmlns:a="http://schemas.openxmlformats.org/drawingml/2006/main" xmlns:r="http://schemas.openxmlformats.org/officeDocument/2006/relationships" xmlns:p="http://schemas.openxmlformats.org/presentationml/2006/main">
+  <p:cSld>
+    <p:spTree>
+      <p:nvGrpSpPr>
+        <p:cNvPr id="1" name=""/>
+        <p:cNvGrpSpPr/>
+        <p:nvPr/>
+      </p:nvGrpSpPr>
+      <p:grpSpPr>
+        <a:xfrm>
+          <a:off x="0" y="0"/>
+          <a:ext cx="0" cy="0"/>
+          <a:chOff x="0" y="0"/>
+          <a:chExt cx="0" cy="0"/>
+        </a:xfrm>
+      </p:grpSpPr>
+      <p:sp>
+        <p:nvSpPr>
+          <p:cNvPr id="3" name="Subtitle 2">
+            <a:extLst>
+              <a:ext uri="{FF2B5EF4-FFF2-40B4-BE49-F238E27FC236}">
+                <a16:creationId xmlns:a16="http://schemas.microsoft.com/office/drawing/2014/main" id="{038BE419-BB5F-A1E1-552E-536A04575F45}"/>
+              </a:ext>
+            </a:extLst>
+          </p:cNvPr>
+          <p:cNvSpPr>
+            <a:spLocks noGrp="1"/>
+          </p:cNvSpPr>
+          <p:nvPr>
+            <p:ph type="subTitle" idx="1"/>
+          </p:nvPr>
+        </p:nvSpPr>
+        <p:spPr>
+          <a:xfrm>
+            <a:off x="450850" y="566738"/>
+            <a:ext cx="11087100" cy="493712"/>
+          </a:xfrm>
+        </p:spPr>
+        <p:txBody>
+          <a:bodyPr>
+            <a:normAutofit/>
+          </a:bodyPr>
+          <a:lstStyle/>
+          <a:p>
+            <a:pPr algn="l"/>
+            <a:r>
+              <a:rPr lang="en-US" sz="2800" dirty="0"/>
+              <a:t>1. Methodology</a:t>
+            </a:r>
+          </a:p>
+          <a:p>
+            <a:pPr algn="l"/>
+            <a:endParaRPr lang="en-US" sz="2800" dirty="0"/>
+          </a:p>
+        </p:txBody>
+      </p:sp>
+      <p:sp>
+        <p:nvSpPr>
+          <p:cNvPr id="6" name="Subtitle 2">
+            <a:extLst>
+              <a:ext uri="{FF2B5EF4-FFF2-40B4-BE49-F238E27FC236}">
+                <a16:creationId xmlns:a16="http://schemas.microsoft.com/office/drawing/2014/main" id="{0FEC28F5-F55B-8B3C-5971-761AB0F22975}"/>
+              </a:ext>
+            </a:extLst>
+          </p:cNvPr>
+          <p:cNvSpPr txBox="1">
+            <a:spLocks/>
+          </p:cNvSpPr>
+          <p:nvPr/>
+        </p:nvSpPr>
+        <p:spPr>
+          <a:xfrm>
+            <a:off x="590550" y="1422400"/>
+            <a:ext cx="10077450" cy="3835400"/>
+          </a:xfrm>
+          <a:prstGeom prst="rect">
+            <a:avLst/>
+          </a:prstGeom>
+        </p:spPr>
+        <p:txBody>
+          <a:bodyPr vert="horz" lIns="91440" tIns="45720" rIns="91440" bIns="45720" rtlCol="0">
+            <a:normAutofit/>
+          </a:bodyPr>
+          <a:lstStyle>
+            <a:lvl1pPr marL="0" indent="0" algn="ctr" defTabSz="914400" rtl="0" eaLnBrk="1" latinLnBrk="0" hangingPunct="1">
+              <a:lnSpc>
+                <a:spcPct val="90000"/>
+              </a:lnSpc>
+              <a:spcBef>
+                <a:spcPts val="1000"/>
+              </a:spcBef>
+              <a:buFont typeface="Arial" panose="020B0604020202020204" pitchFamily="34" charset="0"/>
+              <a:buNone/>
+              <a:defRPr sz="2400" kern="1200">
+                <a:solidFill>
+                  <a:schemeClr val="tx1"/>
+                </a:solidFill>
+                <a:latin typeface="+mn-lt"/>
+                <a:ea typeface="+mn-ea"/>
+                <a:cs typeface="+mn-cs"/>
+              </a:defRPr>
+            </a:lvl1pPr>
+            <a:lvl2pPr marL="457200" indent="0" algn="ctr" defTabSz="914400" rtl="0" eaLnBrk="1" latinLnBrk="0" hangingPunct="1">
+              <a:lnSpc>
+                <a:spcPct val="90000"/>
+              </a:lnSpc>
+              <a:spcBef>
+                <a:spcPts val="500"/>
+              </a:spcBef>
+              <a:buFont typeface="Arial" panose="020B0604020202020204" pitchFamily="34" charset="0"/>
+              <a:buNone/>
+              <a:defRPr sz="2000" kern="1200">
+                <a:solidFill>
+                  <a:schemeClr val="tx1"/>
+                </a:solidFill>
+                <a:latin typeface="+mn-lt"/>
+                <a:ea typeface="+mn-ea"/>
+                <a:cs typeface="+mn-cs"/>
+              </a:defRPr>
+            </a:lvl2pPr>
+            <a:lvl3pPr marL="914400" indent="0" algn="ctr" defTabSz="914400" rtl="0" eaLnBrk="1" latinLnBrk="0" hangingPunct="1">
+              <a:lnSpc>
+                <a:spcPct val="90000"/>
+              </a:lnSpc>
+              <a:spcBef>
+                <a:spcPts val="500"/>
+              </a:spcBef>
+              <a:buFont typeface="Arial" panose="020B0604020202020204" pitchFamily="34" charset="0"/>
+              <a:buNone/>
+              <a:defRPr sz="1800" kern="1200">
+                <a:solidFill>
+                  <a:schemeClr val="tx1"/>
+                </a:solidFill>
+                <a:latin typeface="+mn-lt"/>
+                <a:ea typeface="+mn-ea"/>
+                <a:cs typeface="+mn-cs"/>
+              </a:defRPr>
+            </a:lvl3pPr>
+            <a:lvl4pPr marL="1371600" indent="0" algn="ctr" defTabSz="914400" rtl="0" eaLnBrk="1" latinLnBrk="0" hangingPunct="1">
+              <a:lnSpc>
+                <a:spcPct val="90000"/>
+              </a:lnSpc>
+              <a:spcBef>
+                <a:spcPts val="500"/>
+              </a:spcBef>
+              <a:buFont typeface="Arial" panose="020B0604020202020204" pitchFamily="34" charset="0"/>
+              <a:buNone/>
+              <a:defRPr sz="1600" kern="1200">
+                <a:solidFill>
+                  <a:schemeClr val="tx1"/>
+                </a:solidFill>
+                <a:latin typeface="+mn-lt"/>
+                <a:ea typeface="+mn-ea"/>
+                <a:cs typeface="+mn-cs"/>
+              </a:defRPr>
+            </a:lvl4pPr>
+            <a:lvl5pPr marL="1828800" indent="0" algn="ctr" defTabSz="914400" rtl="0" eaLnBrk="1" latinLnBrk="0" hangingPunct="1">
+              <a:lnSpc>
+                <a:spcPct val="90000"/>
+              </a:lnSpc>
+              <a:spcBef>
+                <a:spcPts val="500"/>
+              </a:spcBef>
+              <a:buFont typeface="Arial" panose="020B0604020202020204" pitchFamily="34" charset="0"/>
+              <a:buNone/>
+              <a:defRPr sz="1600" kern="1200">
+                <a:solidFill>
+                  <a:schemeClr val="tx1"/>
+                </a:solidFill>
+                <a:latin typeface="+mn-lt"/>
+                <a:ea typeface="+mn-ea"/>
+                <a:cs typeface="+mn-cs"/>
+              </a:defRPr>
+            </a:lvl5pPr>
+            <a:lvl6pPr marL="2286000" indent="0" algn="ctr" defTabSz="914400" rtl="0" eaLnBrk="1" latinLnBrk="0" hangingPunct="1">
+              <a:lnSpc>
+                <a:spcPct val="90000"/>
+              </a:lnSpc>
+              <a:spcBef>
+                <a:spcPts val="500"/>
+              </a:spcBef>
+              <a:buFont typeface="Arial" panose="020B0604020202020204" pitchFamily="34" charset="0"/>
+              <a:buNone/>
+              <a:defRPr sz="1600" kern="1200">
+                <a:solidFill>
+                  <a:schemeClr val="tx1"/>
+                </a:solidFill>
+                <a:latin typeface="+mn-lt"/>
+                <a:ea typeface="+mn-ea"/>
+                <a:cs typeface="+mn-cs"/>
+              </a:defRPr>
+            </a:lvl6pPr>
+            <a:lvl7pPr marL="2743200" indent="0" algn="ctr" defTabSz="914400" rtl="0" eaLnBrk="1" latinLnBrk="0" hangingPunct="1">
+              <a:lnSpc>
+                <a:spcPct val="90000"/>
+              </a:lnSpc>
+              <a:spcBef>
+                <a:spcPts val="500"/>
+              </a:spcBef>
+              <a:buFont typeface="Arial" panose="020B0604020202020204" pitchFamily="34" charset="0"/>
+              <a:buNone/>
+              <a:defRPr sz="1600" kern="1200">
+                <a:solidFill>
+                  <a:schemeClr val="tx1"/>
+                </a:solidFill>
+                <a:latin typeface="+mn-lt"/>
+                <a:ea typeface="+mn-ea"/>
+                <a:cs typeface="+mn-cs"/>
+              </a:defRPr>
+            </a:lvl7pPr>
+            <a:lvl8pPr marL="3200400" indent="0" algn="ctr" defTabSz="914400" rtl="0" eaLnBrk="1" latinLnBrk="0" hangingPunct="1">
+              <a:lnSpc>
+                <a:spcPct val="90000"/>
+              </a:lnSpc>
+              <a:spcBef>
+                <a:spcPts val="500"/>
+              </a:spcBef>
+              <a:buFont typeface="Arial" panose="020B0604020202020204" pitchFamily="34" charset="0"/>
+              <a:buNone/>
+              <a:defRPr sz="1600" kern="1200">
+                <a:solidFill>
+                  <a:schemeClr val="tx1"/>
+                </a:solidFill>
+                <a:latin typeface="+mn-lt"/>
+                <a:ea typeface="+mn-ea"/>
+                <a:cs typeface="+mn-cs"/>
+              </a:defRPr>
+            </a:lvl8pPr>
+            <a:lvl9pPr marL="3657600" indent="0" algn="ctr" defTabSz="914400" rtl="0" eaLnBrk="1" latinLnBrk="0" hangingPunct="1">
+              <a:lnSpc>
+                <a:spcPct val="90000"/>
+              </a:lnSpc>
+              <a:spcBef>
+                <a:spcPts val="500"/>
+              </a:spcBef>
+              <a:buFont typeface="Arial" panose="020B0604020202020204" pitchFamily="34" charset="0"/>
+              <a:buNone/>
+              <a:defRPr sz="1600" kern="1200">
+                <a:solidFill>
+                  <a:schemeClr val="tx1"/>
+                </a:solidFill>
+                <a:latin typeface="+mn-lt"/>
+                <a:ea typeface="+mn-ea"/>
+                <a:cs typeface="+mn-cs"/>
+              </a:defRPr>
+            </a:lvl9pPr>
+          </a:lstStyle>
+          <a:p>
+            <a:pPr algn="l"/>
+            <a:r>
+              <a:rPr lang="en-US" dirty="0"/>
+              <a:t>Write the Content here</a:t>
+            </a:r>
+          </a:p>
+        </p:txBody>
+      </p:sp>
+    </p:spTree>
+    <p:extLst>
+      <p:ext uri="{BB962C8B-B14F-4D97-AF65-F5344CB8AC3E}">
+        <p14:creationId xmlns:p14="http://schemas.microsoft.com/office/powerpoint/2010/main" val="13035477"/>
+      </p:ext>
+    </p:extLst>
+  </p:cSld>
+  <p:clrMapOvr>
+    <a:masterClrMapping/>
+  </p:clrMapOvr>
+</p:sld>
+</file>
+
+<file path=ppt/slides/slide6.xml><?xml version="1.0" encoding="utf-8"?>
+<p:sld xmlns:a="http://schemas.openxmlformats.org/drawingml/2006/main" xmlns:r="http://schemas.openxmlformats.org/officeDocument/2006/relationships" xmlns:p="http://schemas.openxmlformats.org/presentationml/2006/main">
+  <p:cSld>
+    <p:spTree>
+      <p:nvGrpSpPr>
+        <p:cNvPr id="1" name=""/>
+        <p:cNvGrpSpPr/>
+        <p:nvPr/>
+      </p:nvGrpSpPr>
+      <p:grpSpPr>
+        <a:xfrm>
+          <a:off x="0" y="0"/>
+          <a:ext cx="0" cy="0"/>
+          <a:chOff x="0" y="0"/>
+          <a:chExt cx="0" cy="0"/>
+        </a:xfrm>
+      </p:grpSpPr>
+      <p:sp>
+        <p:nvSpPr>
+          <p:cNvPr id="3" name="Subtitle 2">
+            <a:extLst>
+              <a:ext uri="{FF2B5EF4-FFF2-40B4-BE49-F238E27FC236}">
+                <a16:creationId xmlns:a16="http://schemas.microsoft.com/office/drawing/2014/main" id="{038BE419-BB5F-A1E1-552E-536A04575F45}"/>
+              </a:ext>
+            </a:extLst>
+          </p:cNvPr>
+          <p:cNvSpPr>
+            <a:spLocks noGrp="1"/>
+          </p:cNvSpPr>
+          <p:nvPr>
+            <p:ph type="subTitle" idx="1"/>
+          </p:nvPr>
+        </p:nvSpPr>
+        <p:spPr>
+          <a:xfrm>
+            <a:off x="450850" y="566738"/>
+            <a:ext cx="11087100" cy="493712"/>
+          </a:xfrm>
+        </p:spPr>
+        <p:txBody>
+          <a:bodyPr>
+            <a:normAutofit/>
+          </a:bodyPr>
+          <a:lstStyle/>
+          <a:p>
+            <a:pPr algn="l"/>
+            <a:r>
+              <a:rPr lang="en-US" sz="2800" dirty="0"/>
+              <a:t>1. Methodology</a:t>
+            </a:r>
+          </a:p>
+          <a:p>
+            <a:pPr algn="l"/>
+            <a:endParaRPr lang="en-US" sz="2800" dirty="0"/>
+          </a:p>
+        </p:txBody>
+      </p:sp>
+      <p:sp>
+        <p:nvSpPr>
+          <p:cNvPr id="6" name="Subtitle 2">
+            <a:extLst>
+              <a:ext uri="{FF2B5EF4-FFF2-40B4-BE49-F238E27FC236}">
+                <a16:creationId xmlns:a16="http://schemas.microsoft.com/office/drawing/2014/main" id="{0FEC28F5-F55B-8B3C-5971-761AB0F22975}"/>
+              </a:ext>
+            </a:extLst>
+          </p:cNvPr>
+          <p:cNvSpPr txBox="1">
+            <a:spLocks/>
+          </p:cNvSpPr>
+          <p:nvPr/>
+        </p:nvSpPr>
+        <p:spPr>
+          <a:xfrm>
+            <a:off x="590550" y="1422400"/>
+            <a:ext cx="10077450" cy="3835400"/>
+          </a:xfrm>
+          <a:prstGeom prst="rect">
+            <a:avLst/>
+          </a:prstGeom>
+        </p:spPr>
+        <p:txBody>
+          <a:bodyPr vert="horz" lIns="91440" tIns="45720" rIns="91440" bIns="45720" rtlCol="0">
+            <a:normAutofit/>
+          </a:bodyPr>
+          <a:lstStyle>
+            <a:lvl1pPr marL="0" indent="0" algn="ctr" defTabSz="914400" rtl="0" eaLnBrk="1" latinLnBrk="0" hangingPunct="1">
+              <a:lnSpc>
+                <a:spcPct val="90000"/>
+              </a:lnSpc>
+              <a:spcBef>
+                <a:spcPts val="1000"/>
+              </a:spcBef>
+              <a:buFont typeface="Arial" panose="020B0604020202020204" pitchFamily="34" charset="0"/>
+              <a:buNone/>
+              <a:defRPr sz="2400" kern="1200">
+                <a:solidFill>
+                  <a:schemeClr val="tx1"/>
+                </a:solidFill>
+                <a:latin typeface="+mn-lt"/>
+                <a:ea typeface="+mn-ea"/>
+                <a:cs typeface="+mn-cs"/>
+              </a:defRPr>
+            </a:lvl1pPr>
+            <a:lvl2pPr marL="457200" indent="0" algn="ctr" defTabSz="914400" rtl="0" eaLnBrk="1" latinLnBrk="0" hangingPunct="1">
+              <a:lnSpc>
+                <a:spcPct val="90000"/>
+              </a:lnSpc>
+              <a:spcBef>
+                <a:spcPts val="500"/>
+              </a:spcBef>
+              <a:buFont typeface="Arial" panose="020B0604020202020204" pitchFamily="34" charset="0"/>
+              <a:buNone/>
+              <a:defRPr sz="2000" kern="1200">
+                <a:solidFill>
+                  <a:schemeClr val="tx1"/>
+                </a:solidFill>
+                <a:latin typeface="+mn-lt"/>
+                <a:ea typeface="+mn-ea"/>
+                <a:cs typeface="+mn-cs"/>
+              </a:defRPr>
+            </a:lvl2pPr>
+            <a:lvl3pPr marL="914400" indent="0" algn="ctr" defTabSz="914400" rtl="0" eaLnBrk="1" latinLnBrk="0" hangingPunct="1">
+              <a:lnSpc>
+                <a:spcPct val="90000"/>
+              </a:lnSpc>
+              <a:spcBef>
+                <a:spcPts val="500"/>
+              </a:spcBef>
+              <a:buFont typeface="Arial" panose="020B0604020202020204" pitchFamily="34" charset="0"/>
+              <a:buNone/>
+              <a:defRPr sz="1800" kern="1200">
+                <a:solidFill>
+                  <a:schemeClr val="tx1"/>
+                </a:solidFill>
+                <a:latin typeface="+mn-lt"/>
+                <a:ea typeface="+mn-ea"/>
+                <a:cs typeface="+mn-cs"/>
+              </a:defRPr>
+            </a:lvl3pPr>
+            <a:lvl4pPr marL="1371600" indent="0" algn="ctr" defTabSz="914400" rtl="0" eaLnBrk="1" latinLnBrk="0" hangingPunct="1">
+              <a:lnSpc>
+                <a:spcPct val="90000"/>
+              </a:lnSpc>
+              <a:spcBef>
+                <a:spcPts val="500"/>
+              </a:spcBef>
+              <a:buFont typeface="Arial" panose="020B0604020202020204" pitchFamily="34" charset="0"/>
+              <a:buNone/>
+              <a:defRPr sz="1600" kern="1200">
+                <a:solidFill>
+                  <a:schemeClr val="tx1"/>
+                </a:solidFill>
+                <a:latin typeface="+mn-lt"/>
+                <a:ea typeface="+mn-ea"/>
+                <a:cs typeface="+mn-cs"/>
+              </a:defRPr>
+            </a:lvl4pPr>
+            <a:lvl5pPr marL="1828800" indent="0" algn="ctr" defTabSz="914400" rtl="0" eaLnBrk="1" latinLnBrk="0" hangingPunct="1">
+              <a:lnSpc>
+                <a:spcPct val="90000"/>
+              </a:lnSpc>
+              <a:spcBef>
+                <a:spcPts val="500"/>
+              </a:spcBef>
+              <a:buFont typeface="Arial" panose="020B0604020202020204" pitchFamily="34" charset="0"/>
+              <a:buNone/>
+              <a:defRPr sz="1600" kern="1200">
+                <a:solidFill>
+                  <a:schemeClr val="tx1"/>
+                </a:solidFill>
+                <a:latin typeface="+mn-lt"/>
+                <a:ea typeface="+mn-ea"/>
+                <a:cs typeface="+mn-cs"/>
+              </a:defRPr>
+            </a:lvl5pPr>
+            <a:lvl6pPr marL="2286000" indent="0" algn="ctr" defTabSz="914400" rtl="0" eaLnBrk="1" latinLnBrk="0" hangingPunct="1">
+              <a:lnSpc>
+                <a:spcPct val="90000"/>
+              </a:lnSpc>
+              <a:spcBef>
+                <a:spcPts val="500"/>
+              </a:spcBef>
+              <a:buFont typeface="Arial" panose="020B0604020202020204" pitchFamily="34" charset="0"/>
+              <a:buNone/>
+              <a:defRPr sz="1600" kern="1200">
+                <a:solidFill>
+                  <a:schemeClr val="tx1"/>
+                </a:solidFill>
+                <a:latin typeface="+mn-lt"/>
+                <a:ea typeface="+mn-ea"/>
+                <a:cs typeface="+mn-cs"/>
+              </a:defRPr>
+            </a:lvl6pPr>
+            <a:lvl7pPr marL="2743200" indent="0" algn="ctr" defTabSz="914400" rtl="0" eaLnBrk="1" latinLnBrk="0" hangingPunct="1">
+              <a:lnSpc>
+                <a:spcPct val="90000"/>
+              </a:lnSpc>
+              <a:spcBef>
+                <a:spcPts val="500"/>
+              </a:spcBef>
+              <a:buFont typeface="Arial" panose="020B0604020202020204" pitchFamily="34" charset="0"/>
+              <a:buNone/>
+              <a:defRPr sz="1600" kern="1200">
+                <a:solidFill>
+                  <a:schemeClr val="tx1"/>
+                </a:solidFill>
+                <a:latin typeface="+mn-lt"/>
+                <a:ea typeface="+mn-ea"/>
+                <a:cs typeface="+mn-cs"/>
+              </a:defRPr>
+            </a:lvl7pPr>
+            <a:lvl8pPr marL="3200400" indent="0" algn="ctr" defTabSz="914400" rtl="0" eaLnBrk="1" latinLnBrk="0" hangingPunct="1">
+              <a:lnSpc>
+                <a:spcPct val="90000"/>
+              </a:lnSpc>
+              <a:spcBef>
+                <a:spcPts val="500"/>
+              </a:spcBef>
+              <a:buFont typeface="Arial" panose="020B0604020202020204" pitchFamily="34" charset="0"/>
+              <a:buNone/>
+              <a:defRPr sz="1600" kern="1200">
+                <a:solidFill>
+                  <a:schemeClr val="tx1"/>
+                </a:solidFill>
+                <a:latin typeface="+mn-lt"/>
+                <a:ea typeface="+mn-ea"/>
+                <a:cs typeface="+mn-cs"/>
+              </a:defRPr>
+            </a:lvl8pPr>
+            <a:lvl9pPr marL="3657600" indent="0" algn="ctr" defTabSz="914400" rtl="0" eaLnBrk="1" latinLnBrk="0" hangingPunct="1">
+              <a:lnSpc>
+                <a:spcPct val="90000"/>
+              </a:lnSpc>
+              <a:spcBef>
+                <a:spcPts val="500"/>
+              </a:spcBef>
+              <a:buFont typeface="Arial" panose="020B0604020202020204" pitchFamily="34" charset="0"/>
+              <a:buNone/>
+              <a:defRPr sz="1600" kern="1200">
+                <a:solidFill>
+                  <a:schemeClr val="tx1"/>
+                </a:solidFill>
+                <a:latin typeface="+mn-lt"/>
+                <a:ea typeface="+mn-ea"/>
+                <a:cs typeface="+mn-cs"/>
+              </a:defRPr>
+            </a:lvl9pPr>
+          </a:lstStyle>
+          <a:p>
+            <a:pPr algn="l"/>
+            <a:r>
+              <a:rPr lang="en-US" dirty="0"/>
+              <a:t>Write the Content here</a:t>
+            </a:r>
+          </a:p>
+        </p:txBody>
+      </p:sp>
+    </p:spTree>
+    <p:extLst>
+      <p:ext uri="{BB962C8B-B14F-4D97-AF65-F5344CB8AC3E}">
+        <p14:creationId xmlns:p14="http://schemas.microsoft.com/office/powerpoint/2010/main" val="1478316666"/>
+      </p:ext>
+    </p:extLst>
+  </p:cSld>
+  <p:clrMapOvr>
+    <a:masterClrMapping/>
+  </p:clrMapOvr>
+</p:sld>
+</file>
+
+<file path=ppt/slides/slide7.xml><?xml version="1.0" encoding="utf-8"?>
+<p:sld xmlns:a="http://schemas.openxmlformats.org/drawingml/2006/main" xmlns:r="http://schemas.openxmlformats.org/officeDocument/2006/relationships" xmlns:p="http://schemas.openxmlformats.org/presentationml/2006/main">
+  <p:cSld>
+    <p:spTree>
+      <p:nvGrpSpPr>
+        <p:cNvPr id="1" name=""/>
+        <p:cNvGrpSpPr/>
+        <p:nvPr/>
+      </p:nvGrpSpPr>
+      <p:grpSpPr>
+        <a:xfrm>
+          <a:off x="0" y="0"/>
+          <a:ext cx="0" cy="0"/>
+          <a:chOff x="0" y="0"/>
+          <a:chExt cx="0" cy="0"/>
+        </a:xfrm>
+      </p:grpSpPr>
+      <p:sp>
+        <p:nvSpPr>
+          <p:cNvPr id="3" name="Subtitle 2">
+            <a:extLst>
+              <a:ext uri="{FF2B5EF4-FFF2-40B4-BE49-F238E27FC236}">
+                <a16:creationId xmlns:a16="http://schemas.microsoft.com/office/drawing/2014/main" id="{038BE419-BB5F-A1E1-552E-536A04575F45}"/>
+              </a:ext>
+            </a:extLst>
+          </p:cNvPr>
+          <p:cNvSpPr>
+            <a:spLocks noGrp="1"/>
+          </p:cNvSpPr>
+          <p:nvPr>
+            <p:ph type="subTitle" idx="1"/>
+          </p:nvPr>
+        </p:nvSpPr>
+        <p:spPr>
+          <a:xfrm>
+            <a:off x="450850" y="566738"/>
+            <a:ext cx="11087100" cy="493712"/>
+          </a:xfrm>
+        </p:spPr>
+        <p:txBody>
+          <a:bodyPr>
+            <a:normAutofit/>
+          </a:bodyPr>
+          <a:lstStyle/>
+          <a:p>
+            <a:pPr algn="l"/>
+            <a:r>
+              <a:rPr lang="en-US" sz="2800" dirty="0"/>
+              <a:t>1. Methodology</a:t>
+            </a:r>
+          </a:p>
+          <a:p>
+            <a:pPr algn="l"/>
+            <a:endParaRPr lang="en-US" sz="2800" dirty="0"/>
+          </a:p>
+        </p:txBody>
+      </p:sp>
+      <p:sp>
+        <p:nvSpPr>
+          <p:cNvPr id="6" name="Subtitle 2">
+            <a:extLst>
+              <a:ext uri="{FF2B5EF4-FFF2-40B4-BE49-F238E27FC236}">
+                <a16:creationId xmlns:a16="http://schemas.microsoft.com/office/drawing/2014/main" id="{0FEC28F5-F55B-8B3C-5971-761AB0F22975}"/>
+              </a:ext>
+            </a:extLst>
+          </p:cNvPr>
+          <p:cNvSpPr txBox="1">
+            <a:spLocks/>
+          </p:cNvSpPr>
+          <p:nvPr/>
+        </p:nvSpPr>
+        <p:spPr>
+          <a:xfrm>
+            <a:off x="590550" y="1422400"/>
+            <a:ext cx="10077450" cy="3835400"/>
+          </a:xfrm>
+          <a:prstGeom prst="rect">
+            <a:avLst/>
+          </a:prstGeom>
+        </p:spPr>
+        <p:txBody>
+          <a:bodyPr vert="horz" lIns="91440" tIns="45720" rIns="91440" bIns="45720" rtlCol="0">
+            <a:normAutofit/>
+          </a:bodyPr>
+          <a:lstStyle>
+            <a:lvl1pPr marL="0" indent="0" algn="ctr" defTabSz="914400" rtl="0" eaLnBrk="1" latinLnBrk="0" hangingPunct="1">
+              <a:lnSpc>
+                <a:spcPct val="90000"/>
+              </a:lnSpc>
+              <a:spcBef>
+                <a:spcPts val="1000"/>
+              </a:spcBef>
+              <a:buFont typeface="Arial" panose="020B0604020202020204" pitchFamily="34" charset="0"/>
+              <a:buNone/>
+              <a:defRPr sz="2400" kern="1200">
+                <a:solidFill>
+                  <a:schemeClr val="tx1"/>
+                </a:solidFill>
+                <a:latin typeface="+mn-lt"/>
+                <a:ea typeface="+mn-ea"/>
+                <a:cs typeface="+mn-cs"/>
+              </a:defRPr>
+            </a:lvl1pPr>
+            <a:lvl2pPr marL="457200" indent="0" algn="ctr" defTabSz="914400" rtl="0" eaLnBrk="1" latinLnBrk="0" hangingPunct="1">
+              <a:lnSpc>
+                <a:spcPct val="90000"/>
+              </a:lnSpc>
+              <a:spcBef>
+                <a:spcPts val="500"/>
+              </a:spcBef>
+              <a:buFont typeface="Arial" panose="020B0604020202020204" pitchFamily="34" charset="0"/>
+              <a:buNone/>
+              <a:defRPr sz="2000" kern="1200">
+                <a:solidFill>
+                  <a:schemeClr val="tx1"/>
+                </a:solidFill>
+                <a:latin typeface="+mn-lt"/>
+                <a:ea typeface="+mn-ea"/>
+                <a:cs typeface="+mn-cs"/>
+              </a:defRPr>
+            </a:lvl2pPr>
+            <a:lvl3pPr marL="914400" indent="0" algn="ctr" defTabSz="914400" rtl="0" eaLnBrk="1" latinLnBrk="0" hangingPunct="1">
+              <a:lnSpc>
+                <a:spcPct val="90000"/>
+              </a:lnSpc>
+              <a:spcBef>
+                <a:spcPts val="500"/>
+              </a:spcBef>
+              <a:buFont typeface="Arial" panose="020B0604020202020204" pitchFamily="34" charset="0"/>
+              <a:buNone/>
+              <a:defRPr sz="1800" kern="1200">
+                <a:solidFill>
+                  <a:schemeClr val="tx1"/>
+                </a:solidFill>
+                <a:latin typeface="+mn-lt"/>
+                <a:ea typeface="+mn-ea"/>
+                <a:cs typeface="+mn-cs"/>
+              </a:defRPr>
+            </a:lvl3pPr>
+            <a:lvl4pPr marL="1371600" indent="0" algn="ctr" defTabSz="914400" rtl="0" eaLnBrk="1" latinLnBrk="0" hangingPunct="1">
+              <a:lnSpc>
+                <a:spcPct val="90000"/>
+              </a:lnSpc>
+              <a:spcBef>
+                <a:spcPts val="500"/>
+              </a:spcBef>
+              <a:buFont typeface="Arial" panose="020B0604020202020204" pitchFamily="34" charset="0"/>
+              <a:buNone/>
+              <a:defRPr sz="1600" kern="1200">
+                <a:solidFill>
+                  <a:schemeClr val="tx1"/>
+                </a:solidFill>
+                <a:latin typeface="+mn-lt"/>
+                <a:ea typeface="+mn-ea"/>
+                <a:cs typeface="+mn-cs"/>
+              </a:defRPr>
+            </a:lvl4pPr>
+            <a:lvl5pPr marL="1828800" indent="0" algn="ctr" defTabSz="914400" rtl="0" eaLnBrk="1" latinLnBrk="0" hangingPunct="1">
+              <a:lnSpc>
+                <a:spcPct val="90000"/>
+              </a:lnSpc>
+              <a:spcBef>
+                <a:spcPts val="500"/>
+              </a:spcBef>
+              <a:buFont typeface="Arial" panose="020B0604020202020204" pitchFamily="34" charset="0"/>
+              <a:buNone/>
+              <a:defRPr sz="1600" kern="1200">
+                <a:solidFill>
+                  <a:schemeClr val="tx1"/>
+                </a:solidFill>
+                <a:latin typeface="+mn-lt"/>
+                <a:ea typeface="+mn-ea"/>
+                <a:cs typeface="+mn-cs"/>
+              </a:defRPr>
+            </a:lvl5pPr>
+            <a:lvl6pPr marL="2286000" indent="0" algn="ctr" defTabSz="914400" rtl="0" eaLnBrk="1" latinLnBrk="0" hangingPunct="1">
+              <a:lnSpc>
+                <a:spcPct val="90000"/>
+              </a:lnSpc>
+              <a:spcBef>
+                <a:spcPts val="500"/>
+              </a:spcBef>
+              <a:buFont typeface="Arial" panose="020B0604020202020204" pitchFamily="34" charset="0"/>
+              <a:buNone/>
+              <a:defRPr sz="1600" kern="1200">
+                <a:solidFill>
+                  <a:schemeClr val="tx1"/>
+                </a:solidFill>
+                <a:latin typeface="+mn-lt"/>
+                <a:ea typeface="+mn-ea"/>
+                <a:cs typeface="+mn-cs"/>
+              </a:defRPr>
+            </a:lvl6pPr>
+            <a:lvl7pPr marL="2743200" indent="0" algn="ctr" defTabSz="914400" rtl="0" eaLnBrk="1" latinLnBrk="0" hangingPunct="1">
+              <a:lnSpc>
+                <a:spcPct val="90000"/>
+              </a:lnSpc>
+              <a:spcBef>
+                <a:spcPts val="500"/>
+              </a:spcBef>
+              <a:buFont typeface="Arial" panose="020B0604020202020204" pitchFamily="34" charset="0"/>
+              <a:buNone/>
+              <a:defRPr sz="1600" kern="1200">
+                <a:solidFill>
+                  <a:schemeClr val="tx1"/>
+                </a:solidFill>
+                <a:latin typeface="+mn-lt"/>
+                <a:ea typeface="+mn-ea"/>
+                <a:cs typeface="+mn-cs"/>
+              </a:defRPr>
+            </a:lvl7pPr>
+            <a:lvl8pPr marL="3200400" indent="0" algn="ctr" defTabSz="914400" rtl="0" eaLnBrk="1" latinLnBrk="0" hangingPunct="1">
+              <a:lnSpc>
+                <a:spcPct val="90000"/>
+              </a:lnSpc>
+              <a:spcBef>
+                <a:spcPts val="500"/>
+              </a:spcBef>
+              <a:buFont typeface="Arial" panose="020B0604020202020204" pitchFamily="34" charset="0"/>
+              <a:buNone/>
+              <a:defRPr sz="1600" kern="1200">
+                <a:solidFill>
+                  <a:schemeClr val="tx1"/>
+                </a:solidFill>
+                <a:latin typeface="+mn-lt"/>
+                <a:ea typeface="+mn-ea"/>
+                <a:cs typeface="+mn-cs"/>
+              </a:defRPr>
+            </a:lvl8pPr>
+            <a:lvl9pPr marL="3657600" indent="0" algn="ctr" defTabSz="914400" rtl="0" eaLnBrk="1" latinLnBrk="0" hangingPunct="1">
+              <a:lnSpc>
+                <a:spcPct val="90000"/>
+              </a:lnSpc>
+              <a:spcBef>
+                <a:spcPts val="500"/>
+              </a:spcBef>
+              <a:buFont typeface="Arial" panose="020B0604020202020204" pitchFamily="34" charset="0"/>
+              <a:buNone/>
+              <a:defRPr sz="1600" kern="1200">
+                <a:solidFill>
+                  <a:schemeClr val="tx1"/>
+                </a:solidFill>
+                <a:latin typeface="+mn-lt"/>
+                <a:ea typeface="+mn-ea"/>
+                <a:cs typeface="+mn-cs"/>
+              </a:defRPr>
+            </a:lvl9pPr>
+          </a:lstStyle>
+          <a:p>
+            <a:pPr algn="l"/>
+            <a:r>
+              <a:rPr lang="en-US" dirty="0"/>
+              <a:t>Write the Content here</a:t>
+            </a:r>
+          </a:p>
+        </p:txBody>
+      </p:sp>
+    </p:spTree>
+    <p:extLst>
+      <p:ext uri="{BB962C8B-B14F-4D97-AF65-F5344CB8AC3E}">
+        <p14:creationId xmlns:p14="http://schemas.microsoft.com/office/powerpoint/2010/main" val="1397978489"/>
+      </p:ext>
+    </p:extLst>
+  </p:cSld>
+  <p:clrMapOvr>
+    <a:masterClrMapping/>
+  </p:clrMapOvr>
+</p:sld>
+</file>
+
+<file path=ppt/slides/slide8.xml><?xml version="1.0" encoding="utf-8"?>
+<p:sld xmlns:a="http://schemas.openxmlformats.org/drawingml/2006/main" xmlns:r="http://schemas.openxmlformats.org/officeDocument/2006/relationships" xmlns:p="http://schemas.openxmlformats.org/presentationml/2006/main">
+  <p:cSld>
+    <p:spTree>
+      <p:nvGrpSpPr>
+        <p:cNvPr id="1" name=""/>
+        <p:cNvGrpSpPr/>
+        <p:nvPr/>
+      </p:nvGrpSpPr>
+      <p:grpSpPr>
+        <a:xfrm>
+          <a:off x="0" y="0"/>
+          <a:ext cx="0" cy="0"/>
+          <a:chOff x="0" y="0"/>
+          <a:chExt cx="0" cy="0"/>
+        </a:xfrm>
+      </p:grpSpPr>
+      <p:sp>
+        <p:nvSpPr>
+          <p:cNvPr id="3" name="Subtitle 2">
+            <a:extLst>
+              <a:ext uri="{FF2B5EF4-FFF2-40B4-BE49-F238E27FC236}">
+                <a16:creationId xmlns:a16="http://schemas.microsoft.com/office/drawing/2014/main" id="{038BE419-BB5F-A1E1-552E-536A04575F45}"/>
+              </a:ext>
+            </a:extLst>
+          </p:cNvPr>
+          <p:cNvSpPr>
+            <a:spLocks noGrp="1"/>
+          </p:cNvSpPr>
+          <p:nvPr>
+            <p:ph type="subTitle" idx="1"/>
+          </p:nvPr>
+        </p:nvSpPr>
+        <p:spPr>
+          <a:xfrm>
+            <a:off x="450850" y="566738"/>
+            <a:ext cx="11087100" cy="493712"/>
+          </a:xfrm>
+        </p:spPr>
+        <p:txBody>
+          <a:bodyPr>
+            <a:normAutofit/>
+          </a:bodyPr>
+          <a:lstStyle/>
+          <a:p>
+            <a:pPr algn="l"/>
+            <a:r>
+              <a:rPr lang="en-US" sz="2800" dirty="0"/>
+              <a:t>1. Methodology</a:t>
+            </a:r>
+          </a:p>
+          <a:p>
+            <a:pPr algn="l"/>
+            <a:endParaRPr lang="en-US" sz="2800" dirty="0"/>
+          </a:p>
+        </p:txBody>
+      </p:sp>
+      <p:sp>
+        <p:nvSpPr>
+          <p:cNvPr id="6" name="Subtitle 2">
+            <a:extLst>
+              <a:ext uri="{FF2B5EF4-FFF2-40B4-BE49-F238E27FC236}">
+                <a16:creationId xmlns:a16="http://schemas.microsoft.com/office/drawing/2014/main" id="{0FEC28F5-F55B-8B3C-5971-761AB0F22975}"/>
+              </a:ext>
+            </a:extLst>
+          </p:cNvPr>
+          <p:cNvSpPr txBox="1">
+            <a:spLocks/>
+          </p:cNvSpPr>
+          <p:nvPr/>
+        </p:nvSpPr>
+        <p:spPr>
+          <a:xfrm>
+            <a:off x="590550" y="1422400"/>
+            <a:ext cx="10077450" cy="3835400"/>
+          </a:xfrm>
+          <a:prstGeom prst="rect">
+            <a:avLst/>
+          </a:prstGeom>
+        </p:spPr>
+        <p:txBody>
+          <a:bodyPr vert="horz" lIns="91440" tIns="45720" rIns="91440" bIns="45720" rtlCol="0">
+            <a:normAutofit/>
+          </a:bodyPr>
+          <a:lstStyle>
+            <a:lvl1pPr marL="0" indent="0" algn="ctr" defTabSz="914400" rtl="0" eaLnBrk="1" latinLnBrk="0" hangingPunct="1">
+              <a:lnSpc>
+                <a:spcPct val="90000"/>
+              </a:lnSpc>
+              <a:spcBef>
+                <a:spcPts val="1000"/>
+              </a:spcBef>
+              <a:buFont typeface="Arial" panose="020B0604020202020204" pitchFamily="34" charset="0"/>
+              <a:buNone/>
+              <a:defRPr sz="2400" kern="1200">
+                <a:solidFill>
+                  <a:schemeClr val="tx1"/>
+                </a:solidFill>
+                <a:latin typeface="+mn-lt"/>
+                <a:ea typeface="+mn-ea"/>
+                <a:cs typeface="+mn-cs"/>
+              </a:defRPr>
+            </a:lvl1pPr>
+            <a:lvl2pPr marL="457200" indent="0" algn="ctr" defTabSz="914400" rtl="0" eaLnBrk="1" latinLnBrk="0" hangingPunct="1">
+              <a:lnSpc>
+                <a:spcPct val="90000"/>
+              </a:lnSpc>
+              <a:spcBef>
+                <a:spcPts val="500"/>
+              </a:spcBef>
+              <a:buFont typeface="Arial" panose="020B0604020202020204" pitchFamily="34" charset="0"/>
+              <a:buNone/>
+              <a:defRPr sz="2000" kern="1200">
+                <a:solidFill>
+                  <a:schemeClr val="tx1"/>
+                </a:solidFill>
+                <a:latin typeface="+mn-lt"/>
+                <a:ea typeface="+mn-ea"/>
+                <a:cs typeface="+mn-cs"/>
+              </a:defRPr>
+            </a:lvl2pPr>
+            <a:lvl3pPr marL="914400" indent="0" algn="ctr" defTabSz="914400" rtl="0" eaLnBrk="1" latinLnBrk="0" hangingPunct="1">
+              <a:lnSpc>
+                <a:spcPct val="90000"/>
+              </a:lnSpc>
+              <a:spcBef>
+                <a:spcPts val="500"/>
+              </a:spcBef>
+              <a:buFont typeface="Arial" panose="020B0604020202020204" pitchFamily="34" charset="0"/>
+              <a:buNone/>
+              <a:defRPr sz="1800" kern="1200">
+                <a:solidFill>
+                  <a:schemeClr val="tx1"/>
+                </a:solidFill>
+                <a:latin typeface="+mn-lt"/>
+                <a:ea typeface="+mn-ea"/>
+                <a:cs typeface="+mn-cs"/>
+              </a:defRPr>
+            </a:lvl3pPr>
+            <a:lvl4pPr marL="1371600" indent="0" algn="ctr" defTabSz="914400" rtl="0" eaLnBrk="1" latinLnBrk="0" hangingPunct="1">
+              <a:lnSpc>
+                <a:spcPct val="90000"/>
+              </a:lnSpc>
+              <a:spcBef>
+                <a:spcPts val="500"/>
+              </a:spcBef>
+              <a:buFont typeface="Arial" panose="020B0604020202020204" pitchFamily="34" charset="0"/>
+              <a:buNone/>
+              <a:defRPr sz="1600" kern="1200">
+                <a:solidFill>
+                  <a:schemeClr val="tx1"/>
+                </a:solidFill>
+                <a:latin typeface="+mn-lt"/>
+                <a:ea typeface="+mn-ea"/>
+                <a:cs typeface="+mn-cs"/>
+              </a:defRPr>
+            </a:lvl4pPr>
+            <a:lvl5pPr marL="1828800" indent="0" algn="ctr" defTabSz="914400" rtl="0" eaLnBrk="1" latinLnBrk="0" hangingPunct="1">
+              <a:lnSpc>
+                <a:spcPct val="90000"/>
+              </a:lnSpc>
+              <a:spcBef>
+                <a:spcPts val="500"/>
+              </a:spcBef>
+              <a:buFont typeface="Arial" panose="020B0604020202020204" pitchFamily="34" charset="0"/>
+              <a:buNone/>
+              <a:defRPr sz="1600" kern="1200">
+                <a:solidFill>
+                  <a:schemeClr val="tx1"/>
+                </a:solidFill>
+                <a:latin typeface="+mn-lt"/>
+                <a:ea typeface="+mn-ea"/>
+                <a:cs typeface="+mn-cs"/>
+              </a:defRPr>
+            </a:lvl5pPr>
+            <a:lvl6pPr marL="2286000" indent="0" algn="ctr" defTabSz="914400" rtl="0" eaLnBrk="1" latinLnBrk="0" hangingPunct="1">
+              <a:lnSpc>
+                <a:spcPct val="90000"/>
+              </a:lnSpc>
+              <a:spcBef>
+                <a:spcPts val="500"/>
+              </a:spcBef>
+              <a:buFont typeface="Arial" panose="020B0604020202020204" pitchFamily="34" charset="0"/>
+              <a:buNone/>
+              <a:defRPr sz="1600" kern="1200">
+                <a:solidFill>
+                  <a:schemeClr val="tx1"/>
+                </a:solidFill>
+                <a:latin typeface="+mn-lt"/>
+                <a:ea typeface="+mn-ea"/>
+                <a:cs typeface="+mn-cs"/>
+              </a:defRPr>
+            </a:lvl6pPr>
+            <a:lvl7pPr marL="2743200" indent="0" algn="ctr" defTabSz="914400" rtl="0" eaLnBrk="1" latinLnBrk="0" hangingPunct="1">
+              <a:lnSpc>
+                <a:spcPct val="90000"/>
+              </a:lnSpc>
+              <a:spcBef>
+                <a:spcPts val="500"/>
+              </a:spcBef>
+              <a:buFont typeface="Arial" panose="020B0604020202020204" pitchFamily="34" charset="0"/>
+              <a:buNone/>
+              <a:defRPr sz="1600" kern="1200">
+                <a:solidFill>
+                  <a:schemeClr val="tx1"/>
+                </a:solidFill>
+                <a:latin typeface="+mn-lt"/>
+                <a:ea typeface="+mn-ea"/>
+                <a:cs typeface="+mn-cs"/>
+              </a:defRPr>
+            </a:lvl7pPr>
+            <a:lvl8pPr marL="3200400" indent="0" algn="ctr" defTabSz="914400" rtl="0" eaLnBrk="1" latinLnBrk="0" hangingPunct="1">
+              <a:lnSpc>
+                <a:spcPct val="90000"/>
+              </a:lnSpc>
+              <a:spcBef>
+                <a:spcPts val="500"/>
+              </a:spcBef>
+              <a:buFont typeface="Arial" panose="020B0604020202020204" pitchFamily="34" charset="0"/>
+              <a:buNone/>
+              <a:defRPr sz="1600" kern="1200">
+                <a:solidFill>
+                  <a:schemeClr val="tx1"/>
+                </a:solidFill>
+                <a:latin typeface="+mn-lt"/>
+                <a:ea typeface="+mn-ea"/>
+                <a:cs typeface="+mn-cs"/>
+              </a:defRPr>
+            </a:lvl8pPr>
+            <a:lvl9pPr marL="3657600" indent="0" algn="ctr" defTabSz="914400" rtl="0" eaLnBrk="1" latinLnBrk="0" hangingPunct="1">
+              <a:lnSpc>
+                <a:spcPct val="90000"/>
+              </a:lnSpc>
+              <a:spcBef>
+                <a:spcPts val="500"/>
+              </a:spcBef>
+              <a:buFont typeface="Arial" panose="020B0604020202020204" pitchFamily="34" charset="0"/>
+              <a:buNone/>
+              <a:defRPr sz="1600" kern="1200">
+                <a:solidFill>
+                  <a:schemeClr val="tx1"/>
+                </a:solidFill>
+                <a:latin typeface="+mn-lt"/>
+                <a:ea typeface="+mn-ea"/>
+                <a:cs typeface="+mn-cs"/>
+              </a:defRPr>
+            </a:lvl9pPr>
+          </a:lstStyle>
+          <a:p>
+            <a:pPr algn="l"/>
+            <a:r>
+              <a:rPr lang="en-US" dirty="0"/>
+              <a:t>Write the Content here</a:t>
+            </a:r>
+          </a:p>
+        </p:txBody>
+      </p:sp>
+    </p:spTree>
+    <p:extLst>
+      <p:ext uri="{BB962C8B-B14F-4D97-AF65-F5344CB8AC3E}">
+        <p14:creationId xmlns:p14="http://schemas.microsoft.com/office/powerpoint/2010/main" val="2246962331"/>
+      </p:ext>
+    </p:extLst>
+  </p:cSld>
+  <p:clrMapOvr>
+    <a:masterClrMapping/>
+  </p:clrMapOvr>
+</p:sld>
+</file>
+
+<file path=ppt/slides/slide9.xml><?xml version="1.0" encoding="utf-8"?>
+<p:sld xmlns:a="http://schemas.openxmlformats.org/drawingml/2006/main" xmlns:r="http://schemas.openxmlformats.org/officeDocument/2006/relationships" xmlns:p="http://schemas.openxmlformats.org/presentationml/2006/main">
+  <p:cSld>
+    <p:spTree>
+      <p:nvGrpSpPr>
+        <p:cNvPr id="1" name=""/>
+        <p:cNvGrpSpPr/>
+        <p:nvPr/>
+      </p:nvGrpSpPr>
+      <p:grpSpPr>
+        <a:xfrm>
+          <a:off x="0" y="0"/>
+          <a:ext cx="0" cy="0"/>
+          <a:chOff x="0" y="0"/>
+          <a:chExt cx="0" cy="0"/>
+        </a:xfrm>
+      </p:grpSpPr>
+      <p:sp>
+        <p:nvSpPr>
+          <p:cNvPr id="3" name="Subtitle 2">
+            <a:extLst>
+              <a:ext uri="{FF2B5EF4-FFF2-40B4-BE49-F238E27FC236}">
+                <a16:creationId xmlns:a16="http://schemas.microsoft.com/office/drawing/2014/main" id="{038BE419-BB5F-A1E1-552E-536A04575F45}"/>
+              </a:ext>
+            </a:extLst>
+          </p:cNvPr>
+          <p:cNvSpPr>
+            <a:spLocks noGrp="1"/>
+          </p:cNvSpPr>
+          <p:nvPr>
+            <p:ph type="subTitle" idx="1"/>
+          </p:nvPr>
+        </p:nvSpPr>
+        <p:spPr>
+          <a:xfrm>
+            <a:off x="450850" y="566738"/>
+            <a:ext cx="11087100" cy="493712"/>
+          </a:xfrm>
+        </p:spPr>
+        <p:txBody>
+          <a:bodyPr>
+            <a:normAutofit/>
+          </a:bodyPr>
+          <a:lstStyle/>
+          <a:p>
+            <a:pPr algn="l"/>
+            <a:r>
+              <a:rPr lang="en-US" sz="2800" dirty="0"/>
+              <a:t>1. Methodology</a:t>
+            </a:r>
+          </a:p>
+          <a:p>
+            <a:pPr algn="l"/>
+            <a:endParaRPr lang="en-US" sz="2800" dirty="0"/>
+          </a:p>
+        </p:txBody>
+      </p:sp>
+      <p:sp>
+        <p:nvSpPr>
+          <p:cNvPr id="6" name="Subtitle 2">
+            <a:extLst>
+              <a:ext uri="{FF2B5EF4-FFF2-40B4-BE49-F238E27FC236}">
+                <a16:creationId xmlns:a16="http://schemas.microsoft.com/office/drawing/2014/main" id="{0FEC28F5-F55B-8B3C-5971-761AB0F22975}"/>
+              </a:ext>
+            </a:extLst>
+          </p:cNvPr>
+          <p:cNvSpPr txBox="1">
+            <a:spLocks/>
+          </p:cNvSpPr>
+          <p:nvPr/>
+        </p:nvSpPr>
+        <p:spPr>
+          <a:xfrm>
+            <a:off x="590550" y="1422400"/>
+            <a:ext cx="10077450" cy="3835400"/>
+          </a:xfrm>
+          <a:prstGeom prst="rect">
+            <a:avLst/>
+          </a:prstGeom>
+        </p:spPr>
+        <p:txBody>
+          <a:bodyPr vert="horz" lIns="91440" tIns="45720" rIns="91440" bIns="45720" rtlCol="0">
+            <a:normAutofit/>
+          </a:bodyPr>
+          <a:lstStyle>
+            <a:lvl1pPr marL="0" indent="0" algn="ctr" defTabSz="914400" rtl="0" eaLnBrk="1" latinLnBrk="0" hangingPunct="1">
+              <a:lnSpc>
+                <a:spcPct val="90000"/>
+              </a:lnSpc>
+              <a:spcBef>
+                <a:spcPts val="1000"/>
+              </a:spcBef>
+              <a:buFont typeface="Arial" panose="020B0604020202020204" pitchFamily="34" charset="0"/>
+              <a:buNone/>
+              <a:defRPr sz="2400" kern="1200">
+                <a:solidFill>
+                  <a:schemeClr val="tx1"/>
+                </a:solidFill>
+                <a:latin typeface="+mn-lt"/>
+                <a:ea typeface="+mn-ea"/>
+                <a:cs typeface="+mn-cs"/>
+              </a:defRPr>
+            </a:lvl1pPr>
+            <a:lvl2pPr marL="457200" indent="0" algn="ctr" defTabSz="914400" rtl="0" eaLnBrk="1" latinLnBrk="0" hangingPunct="1">
+              <a:lnSpc>
+                <a:spcPct val="90000"/>
+              </a:lnSpc>
+              <a:spcBef>
+                <a:spcPts val="500"/>
+              </a:spcBef>
+              <a:buFont typeface="Arial" panose="020B0604020202020204" pitchFamily="34" charset="0"/>
+              <a:buNone/>
+              <a:defRPr sz="2000" kern="1200">
+                <a:solidFill>
+                  <a:schemeClr val="tx1"/>
+                </a:solidFill>
+                <a:latin typeface="+mn-lt"/>
+                <a:ea typeface="+mn-ea"/>
+                <a:cs typeface="+mn-cs"/>
+              </a:defRPr>
+            </a:lvl2pPr>
+            <a:lvl3pPr marL="914400" indent="0" algn="ctr" defTabSz="914400" rtl="0" eaLnBrk="1" latinLnBrk="0" hangingPunct="1">
+              <a:lnSpc>
+                <a:spcPct val="90000"/>
+              </a:lnSpc>
+              <a:spcBef>
+                <a:spcPts val="500"/>
+              </a:spcBef>
+              <a:buFont typeface="Arial" panose="020B0604020202020204" pitchFamily="34" charset="0"/>
+              <a:buNone/>
+              <a:defRPr sz="1800" kern="1200">
+                <a:solidFill>
+                  <a:schemeClr val="tx1"/>
+                </a:solidFill>
+                <a:latin typeface="+mn-lt"/>
+                <a:ea typeface="+mn-ea"/>
+                <a:cs typeface="+mn-cs"/>
+              </a:defRPr>
+            </a:lvl3pPr>
+            <a:lvl4pPr marL="1371600" indent="0" algn="ctr" defTabSz="914400" rtl="0" eaLnBrk="1" latinLnBrk="0" hangingPunct="1">
+              <a:lnSpc>
+                <a:spcPct val="90000"/>
+              </a:lnSpc>
+              <a:spcBef>
+                <a:spcPts val="500"/>
+              </a:spcBef>
+              <a:buFont typeface="Arial" panose="020B0604020202020204" pitchFamily="34" charset="0"/>
+              <a:buNone/>
+              <a:defRPr sz="1600" kern="1200">
+                <a:solidFill>
+                  <a:schemeClr val="tx1"/>
+                </a:solidFill>
+                <a:latin typeface="+mn-lt"/>
+                <a:ea typeface="+mn-ea"/>
+                <a:cs typeface="+mn-cs"/>
+              </a:defRPr>
+            </a:lvl4pPr>
+            <a:lvl5pPr marL="1828800" indent="0" algn="ctr" defTabSz="914400" rtl="0" eaLnBrk="1" latinLnBrk="0" hangingPunct="1">
+              <a:lnSpc>
+                <a:spcPct val="90000"/>
+              </a:lnSpc>
+              <a:spcBef>
+                <a:spcPts val="500"/>
+              </a:spcBef>
+              <a:buFont typeface="Arial" panose="020B0604020202020204" pitchFamily="34" charset="0"/>
+              <a:buNone/>
+              <a:defRPr sz="1600" kern="1200">
+                <a:solidFill>
+                  <a:schemeClr val="tx1"/>
+                </a:solidFill>
+                <a:latin typeface="+mn-lt"/>
+                <a:ea typeface="+mn-ea"/>
+                <a:cs typeface="+mn-cs"/>
+              </a:defRPr>
+            </a:lvl5pPr>
+            <a:lvl6pPr marL="2286000" indent="0" algn="ctr" defTabSz="914400" rtl="0" eaLnBrk="1" latinLnBrk="0" hangingPunct="1">
+              <a:lnSpc>
+                <a:spcPct val="90000"/>
+              </a:lnSpc>
+              <a:spcBef>
+                <a:spcPts val="500"/>
+              </a:spcBef>
+              <a:buFont typeface="Arial" panose="020B0604020202020204" pitchFamily="34" charset="0"/>
+              <a:buNone/>
+              <a:defRPr sz="1600" kern="1200">
+                <a:solidFill>
+                  <a:schemeClr val="tx1"/>
+                </a:solidFill>
+                <a:latin typeface="+mn-lt"/>
+                <a:ea typeface="+mn-ea"/>
+                <a:cs typeface="+mn-cs"/>
+              </a:defRPr>
+            </a:lvl6pPr>
+            <a:lvl7pPr marL="2743200" indent="0" algn="ctr" defTabSz="914400" rtl="0" eaLnBrk="1" latinLnBrk="0" hangingPunct="1">
+              <a:lnSpc>
+                <a:spcPct val="90000"/>
+              </a:lnSpc>
+              <a:spcBef>
+                <a:spcPts val="500"/>
+              </a:spcBef>
+              <a:buFont typeface="Arial" panose="020B0604020202020204" pitchFamily="34" charset="0"/>
+              <a:buNone/>
+              <a:defRPr sz="1600" kern="1200">
+                <a:solidFill>
+                  <a:schemeClr val="tx1"/>
+                </a:solidFill>
+                <a:latin typeface="+mn-lt"/>
+                <a:ea typeface="+mn-ea"/>
+                <a:cs typeface="+mn-cs"/>
+              </a:defRPr>
+            </a:lvl7pPr>
+            <a:lvl8pPr marL="3200400" indent="0" algn="ctr" defTabSz="914400" rtl="0" eaLnBrk="1" latinLnBrk="0" hangingPunct="1">
+              <a:lnSpc>
+                <a:spcPct val="90000"/>
+              </a:lnSpc>
+              <a:spcBef>
+                <a:spcPts val="500"/>
+              </a:spcBef>
+              <a:buFont typeface="Arial" panose="020B0604020202020204" pitchFamily="34" charset="0"/>
+              <a:buNone/>
+              <a:defRPr sz="1600" kern="1200">
+                <a:solidFill>
+                  <a:schemeClr val="tx1"/>
+                </a:solidFill>
+                <a:latin typeface="+mn-lt"/>
+                <a:ea typeface="+mn-ea"/>
+                <a:cs typeface="+mn-cs"/>
+              </a:defRPr>
+            </a:lvl8pPr>
+            <a:lvl9pPr marL="3657600" indent="0" algn="ctr" defTabSz="914400" rtl="0" eaLnBrk="1" latinLnBrk="0" hangingPunct="1">
+              <a:lnSpc>
+                <a:spcPct val="90000"/>
+              </a:lnSpc>
+              <a:spcBef>
+                <a:spcPts val="500"/>
+              </a:spcBef>
+              <a:buFont typeface="Arial" panose="020B0604020202020204" pitchFamily="34" charset="0"/>
+              <a:buNone/>
+              <a:defRPr sz="1600" kern="1200">
+                <a:solidFill>
+                  <a:schemeClr val="tx1"/>
+                </a:solidFill>
+                <a:latin typeface="+mn-lt"/>
+                <a:ea typeface="+mn-ea"/>
+                <a:cs typeface="+mn-cs"/>
+              </a:defRPr>
+            </a:lvl9pPr>
+          </a:lstStyle>
+          <a:p>
+            <a:pPr algn="l"/>
+            <a:r>
+              <a:rPr lang="en-US" dirty="0"/>
+              <a:t>Write the Content here</a:t>
+            </a:r>
+          </a:p>
+        </p:txBody>
+      </p:sp>
+    </p:spTree>
+    <p:extLst>
+      <p:ext uri="{BB962C8B-B14F-4D97-AF65-F5344CB8AC3E}">
+        <p14:creationId xmlns:p14="http://schemas.microsoft.com/office/powerpoint/2010/main" val="3922726639"/>
       </p:ext>
     </p:extLst>
   </p:cSld>
